--- a/slides/C# Everywhere with Blazor.pptx
+++ b/slides/C# Everywhere with Blazor.pptx
@@ -25,8 +25,8 @@
     <p:sldId id="271" r:id="rId16"/>
     <p:sldId id="272" r:id="rId17"/>
     <p:sldId id="268" r:id="rId18"/>
-    <p:sldId id="291" r:id="rId19"/>
-    <p:sldId id="261" r:id="rId20"/>
+    <p:sldId id="261" r:id="rId19"/>
+    <p:sldId id="291" r:id="rId20"/>
     <p:sldId id="276" r:id="rId21"/>
     <p:sldId id="282" r:id="rId22"/>
     <p:sldId id="281" r:id="rId23"/>
@@ -1090,7 +1090,7 @@
           <a:p>
             <a:fld id="{B22517F8-C3EF-4C1E-AF8C-130DD02B436A}" type="slidenum">
               <a:rPr lang="en-US" smtClean="0"/>
-              <a:t>18</a:t>
+              <a:t>19</a:t>
             </a:fld>
             <a:endParaRPr lang="en-US"/>
           </a:p>
@@ -9116,6 +9116,1136 @@
             <p:nvPr/>
           </p:nvPicPr>
           <p:blipFill>
+            <a:blip r:embed="rId2">
+              <a:extLst>
+                <a:ext uri="{28A0092B-C50C-407E-A947-70E740481C1C}">
+                  <a14:useLocalDpi xmlns:a14="http://schemas.microsoft.com/office/drawing/2010/main" val="0"/>
+                </a:ext>
+              </a:extLst>
+            </a:blip>
+            <a:stretch>
+              <a:fillRect/>
+            </a:stretch>
+          </p:blipFill>
+          <p:spPr>
+            <a:xfrm>
+              <a:off x="69915" y="6127423"/>
+              <a:ext cx="599388" cy="599388"/>
+            </a:xfrm>
+            <a:prstGeom prst="rect">
+              <a:avLst/>
+            </a:prstGeom>
+          </p:spPr>
+        </p:pic>
+        <p:sp>
+          <p:nvSpPr>
+            <p:cNvPr id="11" name="TextBox 10">
+              <a:extLst>
+                <a:ext uri="{FF2B5EF4-FFF2-40B4-BE49-F238E27FC236}">
+                  <a16:creationId xmlns:a16="http://schemas.microsoft.com/office/drawing/2014/main" id="{6D5F15F1-CDCE-4788-8A9D-1BDCBCE7D55D}"/>
+                </a:ext>
+              </a:extLst>
+            </p:cNvPr>
+            <p:cNvSpPr txBox="1"/>
+            <p:nvPr/>
+          </p:nvSpPr>
+          <p:spPr>
+            <a:xfrm>
+              <a:off x="537328" y="6240095"/>
+              <a:ext cx="2017336" cy="369332"/>
+            </a:xfrm>
+            <a:prstGeom prst="rect">
+              <a:avLst/>
+            </a:prstGeom>
+            <a:noFill/>
+          </p:spPr>
+          <p:txBody>
+            <a:bodyPr wrap="square" rtlCol="0">
+              <a:spAutoFit/>
+            </a:bodyPr>
+            <a:lstStyle/>
+            <a:p>
+              <a:r>
+                <a:rPr lang="en-US" b="1" dirty="0">
+                  <a:solidFill>
+                    <a:schemeClr val="bg1">
+                      <a:lumMod val="50000"/>
+                    </a:schemeClr>
+                  </a:solidFill>
+                </a:rPr>
+                <a:t>@daveabrock</a:t>
+              </a:r>
+            </a:p>
+          </p:txBody>
+        </p:sp>
+      </p:grpSp>
+      <p:grpSp>
+        <p:nvGrpSpPr>
+          <p:cNvPr id="7" name="Group 6">
+            <a:extLst>
+              <a:ext uri="{FF2B5EF4-FFF2-40B4-BE49-F238E27FC236}">
+                <a16:creationId xmlns:a16="http://schemas.microsoft.com/office/drawing/2014/main" id="{376D2628-0889-4F28-BC14-D5CFBDF1EBB4}"/>
+              </a:ext>
+            </a:extLst>
+          </p:cNvPr>
+          <p:cNvGrpSpPr/>
+          <p:nvPr/>
+        </p:nvGrpSpPr>
+        <p:grpSpPr>
+          <a:xfrm>
+            <a:off x="9884049" y="6174106"/>
+            <a:ext cx="2262428" cy="490193"/>
+            <a:chOff x="10011271" y="6174106"/>
+            <a:chExt cx="2262428" cy="490193"/>
+          </a:xfrm>
+        </p:grpSpPr>
+        <p:pic>
+          <p:nvPicPr>
+            <p:cNvPr id="8" name="Picture 7">
+              <a:extLst>
+                <a:ext uri="{FF2B5EF4-FFF2-40B4-BE49-F238E27FC236}">
+                  <a16:creationId xmlns:a16="http://schemas.microsoft.com/office/drawing/2014/main" id="{2CA38E81-94BE-4264-AC06-73A29C9DEFD0}"/>
+                </a:ext>
+              </a:extLst>
+            </p:cNvPr>
+            <p:cNvPicPr>
+              <a:picLocks noChangeAspect="1"/>
+            </p:cNvPicPr>
+            <p:nvPr/>
+          </p:nvPicPr>
+          <p:blipFill>
+            <a:blip r:embed="rId3">
+              <a:extLst>
+                <a:ext uri="{28A0092B-C50C-407E-A947-70E740481C1C}">
+                  <a14:useLocalDpi xmlns:a14="http://schemas.microsoft.com/office/drawing/2010/main" val="0"/>
+                </a:ext>
+              </a:extLst>
+            </a:blip>
+            <a:stretch>
+              <a:fillRect/>
+            </a:stretch>
+          </p:blipFill>
+          <p:spPr>
+            <a:xfrm>
+              <a:off x="10011271" y="6174106"/>
+              <a:ext cx="490193" cy="490193"/>
+            </a:xfrm>
+            <a:prstGeom prst="rect">
+              <a:avLst/>
+            </a:prstGeom>
+          </p:spPr>
+        </p:pic>
+        <p:sp>
+          <p:nvSpPr>
+            <p:cNvPr id="9" name="TextBox 8">
+              <a:extLst>
+                <a:ext uri="{FF2B5EF4-FFF2-40B4-BE49-F238E27FC236}">
+                  <a16:creationId xmlns:a16="http://schemas.microsoft.com/office/drawing/2014/main" id="{98019F52-793C-48FE-876E-32C7B98D198A}"/>
+                </a:ext>
+              </a:extLst>
+            </p:cNvPr>
+            <p:cNvSpPr txBox="1"/>
+            <p:nvPr/>
+          </p:nvSpPr>
+          <p:spPr>
+            <a:xfrm>
+              <a:off x="10492033" y="6240095"/>
+              <a:ext cx="1781666" cy="369332"/>
+            </a:xfrm>
+            <a:prstGeom prst="rect">
+              <a:avLst/>
+            </a:prstGeom>
+            <a:noFill/>
+          </p:spPr>
+          <p:txBody>
+            <a:bodyPr wrap="square" rtlCol="0">
+              <a:spAutoFit/>
+            </a:bodyPr>
+            <a:lstStyle/>
+            <a:p>
+              <a:r>
+                <a:rPr lang="en-US" b="1" dirty="0">
+                  <a:solidFill>
+                    <a:schemeClr val="bg1">
+                      <a:lumMod val="50000"/>
+                    </a:schemeClr>
+                  </a:solidFill>
+                </a:rPr>
+                <a:t>daveabrock.com</a:t>
+              </a:r>
+            </a:p>
+          </p:txBody>
+        </p:sp>
+      </p:grpSp>
+      <p:sp>
+        <p:nvSpPr>
+          <p:cNvPr id="18" name="Rectangle: Rounded Corners 17">
+            <a:extLst>
+              <a:ext uri="{FF2B5EF4-FFF2-40B4-BE49-F238E27FC236}">
+                <a16:creationId xmlns:a16="http://schemas.microsoft.com/office/drawing/2014/main" id="{1A364702-BD55-4AB5-AD79-535FE8E5B4A8}"/>
+              </a:ext>
+            </a:extLst>
+          </p:cNvPr>
+          <p:cNvSpPr/>
+          <p:nvPr/>
+        </p:nvSpPr>
+        <p:spPr>
+          <a:xfrm>
+            <a:off x="0" y="33648"/>
+            <a:ext cx="12192000" cy="975020"/>
+          </a:xfrm>
+          <a:prstGeom prst="roundRect">
+            <a:avLst/>
+          </a:prstGeom>
+          <a:solidFill>
+            <a:schemeClr val="bg1">
+              <a:lumMod val="95000"/>
+            </a:schemeClr>
+          </a:solidFill>
+          <a:ln>
+            <a:noFill/>
+          </a:ln>
+        </p:spPr>
+        <p:style>
+          <a:lnRef idx="2">
+            <a:schemeClr val="accent1">
+              <a:shade val="50000"/>
+            </a:schemeClr>
+          </a:lnRef>
+          <a:fillRef idx="1">
+            <a:schemeClr val="accent1"/>
+          </a:fillRef>
+          <a:effectRef idx="0">
+            <a:schemeClr val="accent1"/>
+          </a:effectRef>
+          <a:fontRef idx="minor">
+            <a:schemeClr val="lt1"/>
+          </a:fontRef>
+        </p:style>
+        <p:txBody>
+          <a:bodyPr rtlCol="0" anchor="ctr"/>
+          <a:lstStyle/>
+          <a:p>
+            <a:r>
+              <a:rPr lang="en-US" sz="3200" b="1" dirty="0">
+                <a:solidFill>
+                  <a:schemeClr val="bg1">
+                    <a:lumMod val="50000"/>
+                  </a:schemeClr>
+                </a:solidFill>
+              </a:rPr>
+              <a:t>How Does </a:t>
+            </a:r>
+            <a:r>
+              <a:rPr lang="en-US" sz="3200" b="1" dirty="0" err="1">
+                <a:solidFill>
+                  <a:schemeClr val="bg1">
+                    <a:lumMod val="50000"/>
+                  </a:schemeClr>
+                </a:solidFill>
+              </a:rPr>
+              <a:t>Blazor</a:t>
+            </a:r>
+            <a:r>
+              <a:rPr lang="en-US" sz="3200" b="1" dirty="0">
+                <a:solidFill>
+                  <a:schemeClr val="bg1">
+                    <a:lumMod val="50000"/>
+                  </a:schemeClr>
+                </a:solidFill>
+              </a:rPr>
+              <a:t> Work with Web Assembly?</a:t>
+            </a:r>
+          </a:p>
+        </p:txBody>
+      </p:sp>
+      <p:pic>
+        <p:nvPicPr>
+          <p:cNvPr id="20" name="Picture 19">
+            <a:extLst>
+              <a:ext uri="{FF2B5EF4-FFF2-40B4-BE49-F238E27FC236}">
+                <a16:creationId xmlns:a16="http://schemas.microsoft.com/office/drawing/2014/main" id="{43AE1DD2-EE34-47AD-B652-99BEBCD345E6}"/>
+              </a:ext>
+            </a:extLst>
+          </p:cNvPr>
+          <p:cNvPicPr>
+            <a:picLocks noChangeAspect="1"/>
+          </p:cNvPicPr>
+          <p:nvPr/>
+        </p:nvPicPr>
+        <p:blipFill>
+          <a:blip r:embed="rId4">
+            <a:extLst>
+              <a:ext uri="{28A0092B-C50C-407E-A947-70E740481C1C}">
+                <a14:useLocalDpi xmlns:a14="http://schemas.microsoft.com/office/drawing/2010/main" val="0"/>
+              </a:ext>
+              <a:ext uri="{837473B0-CC2E-450A-ABE3-18F120FF3D39}">
+                <a1611:picAttrSrcUrl xmlns:a1611="http://schemas.microsoft.com/office/drawing/2016/11/main" r:id="rId5"/>
+              </a:ext>
+            </a:extLst>
+          </a:blip>
+          <a:stretch>
+            <a:fillRect/>
+          </a:stretch>
+        </p:blipFill>
+        <p:spPr>
+          <a:xfrm>
+            <a:off x="713088" y="1574904"/>
+            <a:ext cx="1665816" cy="1665816"/>
+          </a:xfrm>
+          <a:prstGeom prst="rect">
+            <a:avLst/>
+          </a:prstGeom>
+        </p:spPr>
+      </p:pic>
+      <p:pic>
+        <p:nvPicPr>
+          <p:cNvPr id="22" name="Picture 21">
+            <a:extLst>
+              <a:ext uri="{FF2B5EF4-FFF2-40B4-BE49-F238E27FC236}">
+                <a16:creationId xmlns:a16="http://schemas.microsoft.com/office/drawing/2014/main" id="{265CD5EB-9AF3-4752-BEFA-5F8EF6A92255}"/>
+              </a:ext>
+            </a:extLst>
+          </p:cNvPr>
+          <p:cNvPicPr>
+            <a:picLocks noChangeAspect="1"/>
+          </p:cNvPicPr>
+          <p:nvPr/>
+        </p:nvPicPr>
+        <p:blipFill>
+          <a:blip r:embed="rId4">
+            <a:extLst>
+              <a:ext uri="{28A0092B-C50C-407E-A947-70E740481C1C}">
+                <a14:useLocalDpi xmlns:a14="http://schemas.microsoft.com/office/drawing/2010/main" val="0"/>
+              </a:ext>
+              <a:ext uri="{837473B0-CC2E-450A-ABE3-18F120FF3D39}">
+                <a1611:picAttrSrcUrl xmlns:a1611="http://schemas.microsoft.com/office/drawing/2016/11/main" r:id="rId5"/>
+              </a:ext>
+            </a:extLst>
+          </a:blip>
+          <a:stretch>
+            <a:fillRect/>
+          </a:stretch>
+        </p:blipFill>
+        <p:spPr>
+          <a:xfrm>
+            <a:off x="719150" y="3670226"/>
+            <a:ext cx="1665816" cy="1665816"/>
+          </a:xfrm>
+          <a:prstGeom prst="rect">
+            <a:avLst/>
+          </a:prstGeom>
+        </p:spPr>
+      </p:pic>
+      <p:sp>
+        <p:nvSpPr>
+          <p:cNvPr id="23" name="TextBox 22">
+            <a:extLst>
+              <a:ext uri="{FF2B5EF4-FFF2-40B4-BE49-F238E27FC236}">
+                <a16:creationId xmlns:a16="http://schemas.microsoft.com/office/drawing/2014/main" id="{154AE5E9-5B2D-4653-8924-EE50C7BCF21F}"/>
+              </a:ext>
+            </a:extLst>
+          </p:cNvPr>
+          <p:cNvSpPr txBox="1"/>
+          <p:nvPr/>
+        </p:nvSpPr>
+        <p:spPr>
+          <a:xfrm>
+            <a:off x="973667" y="3240720"/>
+            <a:ext cx="1134533" cy="376561"/>
+          </a:xfrm>
+          <a:prstGeom prst="rect">
+            <a:avLst/>
+          </a:prstGeom>
+          <a:noFill/>
+        </p:spPr>
+        <p:txBody>
+          <a:bodyPr wrap="square" rtlCol="0">
+            <a:spAutoFit/>
+          </a:bodyPr>
+          <a:lstStyle/>
+          <a:p>
+            <a:pPr algn="ctr"/>
+            <a:r>
+              <a:rPr lang="en-US" i="1" dirty="0"/>
+              <a:t>.</a:t>
+            </a:r>
+            <a:r>
+              <a:rPr lang="en-US" i="1" dirty="0" err="1"/>
+              <a:t>cshtml</a:t>
+            </a:r>
+            <a:endParaRPr lang="en-US" i="1" dirty="0"/>
+          </a:p>
+        </p:txBody>
+      </p:sp>
+      <p:sp>
+        <p:nvSpPr>
+          <p:cNvPr id="24" name="TextBox 23">
+            <a:extLst>
+              <a:ext uri="{FF2B5EF4-FFF2-40B4-BE49-F238E27FC236}">
+                <a16:creationId xmlns:a16="http://schemas.microsoft.com/office/drawing/2014/main" id="{F3C1666A-B02C-47F5-8C82-1CF8588FF37F}"/>
+              </a:ext>
+            </a:extLst>
+          </p:cNvPr>
+          <p:cNvSpPr txBox="1"/>
+          <p:nvPr/>
+        </p:nvSpPr>
+        <p:spPr>
+          <a:xfrm>
+            <a:off x="973667" y="5440001"/>
+            <a:ext cx="1134533" cy="376561"/>
+          </a:xfrm>
+          <a:prstGeom prst="rect">
+            <a:avLst/>
+          </a:prstGeom>
+          <a:noFill/>
+        </p:spPr>
+        <p:txBody>
+          <a:bodyPr wrap="square" rtlCol="0">
+            <a:spAutoFit/>
+          </a:bodyPr>
+          <a:lstStyle/>
+          <a:p>
+            <a:pPr algn="ctr"/>
+            <a:r>
+              <a:rPr lang="en-US" i="1" dirty="0"/>
+              <a:t>.cs</a:t>
+            </a:r>
+          </a:p>
+        </p:txBody>
+      </p:sp>
+      <p:sp>
+        <p:nvSpPr>
+          <p:cNvPr id="25" name="Rectangle: Rounded Corners 24">
+            <a:extLst>
+              <a:ext uri="{FF2B5EF4-FFF2-40B4-BE49-F238E27FC236}">
+                <a16:creationId xmlns:a16="http://schemas.microsoft.com/office/drawing/2014/main" id="{B4458C6D-62AC-4355-B30B-26E9AFECBED2}"/>
+              </a:ext>
+            </a:extLst>
+          </p:cNvPr>
+          <p:cNvSpPr/>
+          <p:nvPr/>
+        </p:nvSpPr>
+        <p:spPr>
+          <a:xfrm>
+            <a:off x="3517516" y="2719630"/>
+            <a:ext cx="3175000" cy="1253067"/>
+          </a:xfrm>
+          <a:prstGeom prst="roundRect">
+            <a:avLst/>
+          </a:prstGeom>
+          <a:solidFill>
+            <a:schemeClr val="accent1">
+              <a:lumMod val="60000"/>
+              <a:lumOff val="40000"/>
+            </a:schemeClr>
+          </a:solidFill>
+        </p:spPr>
+        <p:style>
+          <a:lnRef idx="2">
+            <a:schemeClr val="accent1">
+              <a:shade val="50000"/>
+            </a:schemeClr>
+          </a:lnRef>
+          <a:fillRef idx="1">
+            <a:schemeClr val="accent1"/>
+          </a:fillRef>
+          <a:effectRef idx="0">
+            <a:schemeClr val="accent1"/>
+          </a:effectRef>
+          <a:fontRef idx="minor">
+            <a:schemeClr val="lt1"/>
+          </a:fontRef>
+        </p:style>
+        <p:txBody>
+          <a:bodyPr rtlCol="0" anchor="ctr"/>
+          <a:lstStyle/>
+          <a:p>
+            <a:pPr algn="ctr"/>
+            <a:r>
+              <a:rPr lang="en-US" b="1" dirty="0"/>
+              <a:t>Assembly compilation (.</a:t>
+            </a:r>
+            <a:r>
+              <a:rPr lang="en-US" b="1" dirty="0" err="1"/>
+              <a:t>dll</a:t>
+            </a:r>
+            <a:r>
+              <a:rPr lang="en-US" b="1" dirty="0"/>
+              <a:t>)</a:t>
+            </a:r>
+          </a:p>
+        </p:txBody>
+      </p:sp>
+      <p:sp>
+        <p:nvSpPr>
+          <p:cNvPr id="26" name="Rectangle: Rounded Corners 25">
+            <a:extLst>
+              <a:ext uri="{FF2B5EF4-FFF2-40B4-BE49-F238E27FC236}">
+                <a16:creationId xmlns:a16="http://schemas.microsoft.com/office/drawing/2014/main" id="{630DCCB4-0849-4B36-A877-CA7FBB636753}"/>
+              </a:ext>
+            </a:extLst>
+          </p:cNvPr>
+          <p:cNvSpPr/>
+          <p:nvPr/>
+        </p:nvSpPr>
+        <p:spPr>
+          <a:xfrm>
+            <a:off x="7518400" y="1656080"/>
+            <a:ext cx="4246880" cy="3433404"/>
+          </a:xfrm>
+          <a:prstGeom prst="roundRect">
+            <a:avLst/>
+          </a:prstGeom>
+          <a:solidFill>
+            <a:schemeClr val="accent1">
+              <a:lumMod val="20000"/>
+              <a:lumOff val="80000"/>
+            </a:schemeClr>
+          </a:solidFill>
+        </p:spPr>
+        <p:style>
+          <a:lnRef idx="2">
+            <a:schemeClr val="accent1">
+              <a:shade val="50000"/>
+            </a:schemeClr>
+          </a:lnRef>
+          <a:fillRef idx="1">
+            <a:schemeClr val="accent1"/>
+          </a:fillRef>
+          <a:effectRef idx="0">
+            <a:schemeClr val="accent1"/>
+          </a:effectRef>
+          <a:fontRef idx="minor">
+            <a:schemeClr val="lt1"/>
+          </a:fontRef>
+        </p:style>
+        <p:txBody>
+          <a:bodyPr rtlCol="0" anchor="ctr"/>
+          <a:lstStyle/>
+          <a:p>
+            <a:pPr algn="ctr"/>
+            <a:endParaRPr lang="en-US"/>
+          </a:p>
+        </p:txBody>
+      </p:sp>
+      <p:pic>
+        <p:nvPicPr>
+          <p:cNvPr id="28" name="Picture 27">
+            <a:extLst>
+              <a:ext uri="{FF2B5EF4-FFF2-40B4-BE49-F238E27FC236}">
+                <a16:creationId xmlns:a16="http://schemas.microsoft.com/office/drawing/2014/main" id="{9FA9D8D7-2317-4B03-92BC-6487D7329B00}"/>
+              </a:ext>
+            </a:extLst>
+          </p:cNvPr>
+          <p:cNvPicPr>
+            <a:picLocks noChangeAspect="1"/>
+          </p:cNvPicPr>
+          <p:nvPr/>
+        </p:nvPicPr>
+        <p:blipFill>
+          <a:blip r:embed="rId6">
+            <a:extLst>
+              <a:ext uri="{28A0092B-C50C-407E-A947-70E740481C1C}">
+                <a14:useLocalDpi xmlns:a14="http://schemas.microsoft.com/office/drawing/2010/main" val="0"/>
+              </a:ext>
+            </a:extLst>
+          </a:blip>
+          <a:stretch>
+            <a:fillRect/>
+          </a:stretch>
+        </p:blipFill>
+        <p:spPr>
+          <a:xfrm>
+            <a:off x="11110626" y="1542939"/>
+            <a:ext cx="797560" cy="797560"/>
+          </a:xfrm>
+          <a:prstGeom prst="rect">
+            <a:avLst/>
+          </a:prstGeom>
+        </p:spPr>
+      </p:pic>
+      <p:pic>
+        <p:nvPicPr>
+          <p:cNvPr id="30" name="Picture 29">
+            <a:extLst>
+              <a:ext uri="{FF2B5EF4-FFF2-40B4-BE49-F238E27FC236}">
+                <a16:creationId xmlns:a16="http://schemas.microsoft.com/office/drawing/2014/main" id="{9F2FFEE5-A14B-44A5-A6C1-4BA64EFC35CC}"/>
+              </a:ext>
+            </a:extLst>
+          </p:cNvPr>
+          <p:cNvPicPr>
+            <a:picLocks noChangeAspect="1"/>
+          </p:cNvPicPr>
+          <p:nvPr/>
+        </p:nvPicPr>
+        <p:blipFill>
+          <a:blip r:embed="rId7">
+            <a:extLst>
+              <a:ext uri="{28A0092B-C50C-407E-A947-70E740481C1C}">
+                <a14:useLocalDpi xmlns:a14="http://schemas.microsoft.com/office/drawing/2010/main" val="0"/>
+              </a:ext>
+            </a:extLst>
+          </a:blip>
+          <a:stretch>
+            <a:fillRect/>
+          </a:stretch>
+        </p:blipFill>
+        <p:spPr>
+          <a:xfrm>
+            <a:off x="7382624" y="1519052"/>
+            <a:ext cx="751840" cy="751840"/>
+          </a:xfrm>
+          <a:prstGeom prst="rect">
+            <a:avLst/>
+          </a:prstGeom>
+        </p:spPr>
+      </p:pic>
+      <p:pic>
+        <p:nvPicPr>
+          <p:cNvPr id="32" name="Picture 31">
+            <a:extLst>
+              <a:ext uri="{FF2B5EF4-FFF2-40B4-BE49-F238E27FC236}">
+                <a16:creationId xmlns:a16="http://schemas.microsoft.com/office/drawing/2014/main" id="{630A00D4-D5C3-4ADC-88E7-1D146D62A768}"/>
+              </a:ext>
+            </a:extLst>
+          </p:cNvPr>
+          <p:cNvPicPr>
+            <a:picLocks noChangeAspect="1"/>
+          </p:cNvPicPr>
+          <p:nvPr/>
+        </p:nvPicPr>
+        <p:blipFill>
+          <a:blip r:embed="rId8">
+            <a:extLst>
+              <a:ext uri="{28A0092B-C50C-407E-A947-70E740481C1C}">
+                <a14:useLocalDpi xmlns:a14="http://schemas.microsoft.com/office/drawing/2010/main" val="0"/>
+              </a:ext>
+            </a:extLst>
+          </a:blip>
+          <a:stretch>
+            <a:fillRect/>
+          </a:stretch>
+        </p:blipFill>
+        <p:spPr>
+          <a:xfrm>
+            <a:off x="7433424" y="4510825"/>
+            <a:ext cx="771832" cy="797560"/>
+          </a:xfrm>
+          <a:prstGeom prst="rect">
+            <a:avLst/>
+          </a:prstGeom>
+        </p:spPr>
+      </p:pic>
+      <p:pic>
+        <p:nvPicPr>
+          <p:cNvPr id="34" name="Picture 33">
+            <a:extLst>
+              <a:ext uri="{FF2B5EF4-FFF2-40B4-BE49-F238E27FC236}">
+                <a16:creationId xmlns:a16="http://schemas.microsoft.com/office/drawing/2014/main" id="{BF70AA60-3757-4A44-A2D1-4304AC9D3678}"/>
+              </a:ext>
+            </a:extLst>
+          </p:cNvPr>
+          <p:cNvPicPr>
+            <a:picLocks noChangeAspect="1"/>
+          </p:cNvPicPr>
+          <p:nvPr/>
+        </p:nvPicPr>
+        <p:blipFill>
+          <a:blip r:embed="rId9">
+            <a:extLst>
+              <a:ext uri="{28A0092B-C50C-407E-A947-70E740481C1C}">
+                <a14:useLocalDpi xmlns:a14="http://schemas.microsoft.com/office/drawing/2010/main" val="0"/>
+              </a:ext>
+            </a:extLst>
+          </a:blip>
+          <a:stretch>
+            <a:fillRect/>
+          </a:stretch>
+        </p:blipFill>
+        <p:spPr>
+          <a:xfrm>
+            <a:off x="11132834" y="4354033"/>
+            <a:ext cx="975020" cy="975020"/>
+          </a:xfrm>
+          <a:prstGeom prst="rect">
+            <a:avLst/>
+          </a:prstGeom>
+        </p:spPr>
+      </p:pic>
+      <p:sp>
+        <p:nvSpPr>
+          <p:cNvPr id="35" name="TextBox 34">
+            <a:extLst>
+              <a:ext uri="{FF2B5EF4-FFF2-40B4-BE49-F238E27FC236}">
+                <a16:creationId xmlns:a16="http://schemas.microsoft.com/office/drawing/2014/main" id="{8F08A415-15AA-44BA-AB83-A32390D56734}"/>
+              </a:ext>
+            </a:extLst>
+          </p:cNvPr>
+          <p:cNvSpPr txBox="1"/>
+          <p:nvPr/>
+        </p:nvSpPr>
+        <p:spPr>
+          <a:xfrm>
+            <a:off x="7518400" y="1168476"/>
+            <a:ext cx="4064000" cy="523220"/>
+          </a:xfrm>
+          <a:prstGeom prst="rect">
+            <a:avLst/>
+          </a:prstGeom>
+          <a:noFill/>
+        </p:spPr>
+        <p:txBody>
+          <a:bodyPr wrap="square" rtlCol="0">
+            <a:spAutoFit/>
+          </a:bodyPr>
+          <a:lstStyle/>
+          <a:p>
+            <a:pPr algn="ctr"/>
+            <a:r>
+              <a:rPr lang="en-US" sz="2800" b="1" dirty="0"/>
+              <a:t>BROWSER</a:t>
+            </a:r>
+          </a:p>
+        </p:txBody>
+      </p:sp>
+      <p:sp>
+        <p:nvSpPr>
+          <p:cNvPr id="36" name="Rectangle: Rounded Corners 35">
+            <a:extLst>
+              <a:ext uri="{FF2B5EF4-FFF2-40B4-BE49-F238E27FC236}">
+                <a16:creationId xmlns:a16="http://schemas.microsoft.com/office/drawing/2014/main" id="{9D23E77B-E94C-482F-AB3B-8A4189E16539}"/>
+              </a:ext>
+            </a:extLst>
+          </p:cNvPr>
+          <p:cNvSpPr/>
+          <p:nvPr/>
+        </p:nvSpPr>
+        <p:spPr>
+          <a:xfrm>
+            <a:off x="8412480" y="2092960"/>
+            <a:ext cx="2667652" cy="797560"/>
+          </a:xfrm>
+          <a:prstGeom prst="roundRect">
+            <a:avLst/>
+          </a:prstGeom>
+          <a:solidFill>
+            <a:schemeClr val="accent1">
+              <a:lumMod val="40000"/>
+              <a:lumOff val="60000"/>
+            </a:schemeClr>
+          </a:solidFill>
+        </p:spPr>
+        <p:style>
+          <a:lnRef idx="2">
+            <a:schemeClr val="accent1">
+              <a:shade val="50000"/>
+            </a:schemeClr>
+          </a:lnRef>
+          <a:fillRef idx="1">
+            <a:schemeClr val="accent1"/>
+          </a:fillRef>
+          <a:effectRef idx="0">
+            <a:schemeClr val="accent1"/>
+          </a:effectRef>
+          <a:fontRef idx="minor">
+            <a:schemeClr val="lt1"/>
+          </a:fontRef>
+        </p:style>
+        <p:txBody>
+          <a:bodyPr rtlCol="0" anchor="ctr"/>
+          <a:lstStyle/>
+          <a:p>
+            <a:pPr algn="ctr"/>
+            <a:r>
+              <a:rPr lang="en-US" dirty="0"/>
+              <a:t>.NET WA implementation </a:t>
+            </a:r>
+          </a:p>
+          <a:p>
+            <a:pPr algn="ctr"/>
+            <a:r>
+              <a:rPr lang="en-US" dirty="0"/>
+              <a:t>(</a:t>
+            </a:r>
+            <a:r>
+              <a:rPr lang="en-US" dirty="0" err="1"/>
+              <a:t>mono.wasm</a:t>
+            </a:r>
+            <a:r>
+              <a:rPr lang="en-US" dirty="0"/>
+              <a:t>)</a:t>
+            </a:r>
+          </a:p>
+        </p:txBody>
+      </p:sp>
+      <p:sp>
+        <p:nvSpPr>
+          <p:cNvPr id="38" name="Rectangle: Rounded Corners 37">
+            <a:extLst>
+              <a:ext uri="{FF2B5EF4-FFF2-40B4-BE49-F238E27FC236}">
+                <a16:creationId xmlns:a16="http://schemas.microsoft.com/office/drawing/2014/main" id="{63B13810-4C0C-4F32-97E9-19172F80342C}"/>
+              </a:ext>
+            </a:extLst>
+          </p:cNvPr>
+          <p:cNvSpPr/>
+          <p:nvPr/>
+        </p:nvSpPr>
+        <p:spPr>
+          <a:xfrm>
+            <a:off x="8412480" y="3781574"/>
+            <a:ext cx="2667652" cy="797560"/>
+          </a:xfrm>
+          <a:prstGeom prst="roundRect">
+            <a:avLst/>
+          </a:prstGeom>
+          <a:solidFill>
+            <a:schemeClr val="accent1">
+              <a:lumMod val="60000"/>
+              <a:lumOff val="40000"/>
+            </a:schemeClr>
+          </a:solidFill>
+        </p:spPr>
+        <p:style>
+          <a:lnRef idx="2">
+            <a:schemeClr val="accent1">
+              <a:shade val="50000"/>
+            </a:schemeClr>
+          </a:lnRef>
+          <a:fillRef idx="1">
+            <a:schemeClr val="accent1"/>
+          </a:fillRef>
+          <a:effectRef idx="0">
+            <a:schemeClr val="accent1"/>
+          </a:effectRef>
+          <a:fontRef idx="minor">
+            <a:schemeClr val="lt1"/>
+          </a:fontRef>
+        </p:style>
+        <p:txBody>
+          <a:bodyPr rtlCol="0" anchor="ctr"/>
+          <a:lstStyle/>
+          <a:p>
+            <a:pPr algn="ctr"/>
+            <a:r>
+              <a:rPr lang="en-US" dirty="0"/>
+              <a:t>.NET assemblies</a:t>
+            </a:r>
+          </a:p>
+          <a:p>
+            <a:pPr algn="ctr"/>
+            <a:r>
+              <a:rPr lang="en-US" dirty="0"/>
+              <a:t>(dependent DLLs)</a:t>
+            </a:r>
+          </a:p>
+        </p:txBody>
+      </p:sp>
+      <p:sp>
+        <p:nvSpPr>
+          <p:cNvPr id="39" name="Rectangle: Rounded Corners 38">
+            <a:extLst>
+              <a:ext uri="{FF2B5EF4-FFF2-40B4-BE49-F238E27FC236}">
+                <a16:creationId xmlns:a16="http://schemas.microsoft.com/office/drawing/2014/main" id="{6FA549BC-FC94-40BB-A62B-BC7A435D2C80}"/>
+              </a:ext>
+            </a:extLst>
+          </p:cNvPr>
+          <p:cNvSpPr/>
+          <p:nvPr/>
+        </p:nvSpPr>
+        <p:spPr>
+          <a:xfrm>
+            <a:off x="8412480" y="2922506"/>
+            <a:ext cx="2667652" cy="797560"/>
+          </a:xfrm>
+          <a:prstGeom prst="roundRect">
+            <a:avLst/>
+          </a:prstGeom>
+          <a:solidFill>
+            <a:schemeClr val="accent1">
+              <a:lumMod val="75000"/>
+            </a:schemeClr>
+          </a:solidFill>
+        </p:spPr>
+        <p:style>
+          <a:lnRef idx="2">
+            <a:schemeClr val="accent1">
+              <a:shade val="50000"/>
+            </a:schemeClr>
+          </a:lnRef>
+          <a:fillRef idx="1">
+            <a:schemeClr val="accent1"/>
+          </a:fillRef>
+          <a:effectRef idx="0">
+            <a:schemeClr val="accent1"/>
+          </a:effectRef>
+          <a:fontRef idx="minor">
+            <a:schemeClr val="lt1"/>
+          </a:fontRef>
+        </p:style>
+        <p:txBody>
+          <a:bodyPr rtlCol="0" anchor="ctr"/>
+          <a:lstStyle/>
+          <a:p>
+            <a:pPr algn="ctr"/>
+            <a:r>
+              <a:rPr lang="en-US" dirty="0" err="1"/>
+              <a:t>Blazor</a:t>
+            </a:r>
+            <a:r>
+              <a:rPr lang="en-US" dirty="0"/>
+              <a:t> app</a:t>
+            </a:r>
+          </a:p>
+          <a:p>
+            <a:pPr algn="ctr"/>
+            <a:r>
+              <a:rPr lang="en-US" dirty="0"/>
+              <a:t>(App.dll)</a:t>
+            </a:r>
+          </a:p>
+        </p:txBody>
+      </p:sp>
+      <p:cxnSp>
+        <p:nvCxnSpPr>
+          <p:cNvPr id="41" name="Straight Arrow Connector 40">
+            <a:extLst>
+              <a:ext uri="{FF2B5EF4-FFF2-40B4-BE49-F238E27FC236}">
+                <a16:creationId xmlns:a16="http://schemas.microsoft.com/office/drawing/2014/main" id="{F08DE729-7CE4-47EC-AD3E-7F0459E8A41E}"/>
+              </a:ext>
+            </a:extLst>
+          </p:cNvPr>
+          <p:cNvCxnSpPr>
+            <a:cxnSpLocks/>
+          </p:cNvCxnSpPr>
+          <p:nvPr/>
+        </p:nvCxnSpPr>
+        <p:spPr>
+          <a:xfrm>
+            <a:off x="2266492" y="2339231"/>
+            <a:ext cx="1160780" cy="832908"/>
+          </a:xfrm>
+          <a:prstGeom prst="straightConnector1">
+            <a:avLst/>
+          </a:prstGeom>
+          <a:ln w="38100">
+            <a:tailEnd type="triangle"/>
+          </a:ln>
+        </p:spPr>
+        <p:style>
+          <a:lnRef idx="1">
+            <a:schemeClr val="accent1"/>
+          </a:lnRef>
+          <a:fillRef idx="0">
+            <a:schemeClr val="accent1"/>
+          </a:fillRef>
+          <a:effectRef idx="0">
+            <a:schemeClr val="accent1"/>
+          </a:effectRef>
+          <a:fontRef idx="minor">
+            <a:schemeClr val="tx1"/>
+          </a:fontRef>
+        </p:style>
+      </p:cxnSp>
+      <p:cxnSp>
+        <p:nvCxnSpPr>
+          <p:cNvPr id="43" name="Straight Arrow Connector 42">
+            <a:extLst>
+              <a:ext uri="{FF2B5EF4-FFF2-40B4-BE49-F238E27FC236}">
+                <a16:creationId xmlns:a16="http://schemas.microsoft.com/office/drawing/2014/main" id="{ACD75148-F16D-4A68-84FD-6AB6DEF3ADC0}"/>
+              </a:ext>
+            </a:extLst>
+          </p:cNvPr>
+          <p:cNvCxnSpPr>
+            <a:cxnSpLocks/>
+          </p:cNvCxnSpPr>
+          <p:nvPr/>
+        </p:nvCxnSpPr>
+        <p:spPr>
+          <a:xfrm flipV="1">
+            <a:off x="2310036" y="3437114"/>
+            <a:ext cx="1088196" cy="1175526"/>
+          </a:xfrm>
+          <a:prstGeom prst="straightConnector1">
+            <a:avLst/>
+          </a:prstGeom>
+          <a:ln w="38100">
+            <a:tailEnd type="triangle"/>
+          </a:ln>
+        </p:spPr>
+        <p:style>
+          <a:lnRef idx="1">
+            <a:schemeClr val="accent1"/>
+          </a:lnRef>
+          <a:fillRef idx="0">
+            <a:schemeClr val="accent1"/>
+          </a:fillRef>
+          <a:effectRef idx="0">
+            <a:schemeClr val="accent1"/>
+          </a:effectRef>
+          <a:fontRef idx="minor">
+            <a:schemeClr val="tx1"/>
+          </a:fontRef>
+        </p:style>
+      </p:cxnSp>
+      <p:cxnSp>
+        <p:nvCxnSpPr>
+          <p:cNvPr id="48" name="Straight Arrow Connector 47">
+            <a:extLst>
+              <a:ext uri="{FF2B5EF4-FFF2-40B4-BE49-F238E27FC236}">
+                <a16:creationId xmlns:a16="http://schemas.microsoft.com/office/drawing/2014/main" id="{17BD3D69-376B-46B8-9FC6-EB7331AE3A83}"/>
+              </a:ext>
+            </a:extLst>
+          </p:cNvPr>
+          <p:cNvCxnSpPr/>
+          <p:nvPr/>
+        </p:nvCxnSpPr>
+        <p:spPr>
+          <a:xfrm>
+            <a:off x="6833252" y="3321286"/>
+            <a:ext cx="1526526" cy="0"/>
+          </a:xfrm>
+          <a:prstGeom prst="straightConnector1">
+            <a:avLst/>
+          </a:prstGeom>
+          <a:ln w="38100">
+            <a:tailEnd type="triangle"/>
+          </a:ln>
+        </p:spPr>
+        <p:style>
+          <a:lnRef idx="1">
+            <a:schemeClr val="accent1"/>
+          </a:lnRef>
+          <a:fillRef idx="0">
+            <a:schemeClr val="accent1"/>
+          </a:fillRef>
+          <a:effectRef idx="0">
+            <a:schemeClr val="accent1"/>
+          </a:effectRef>
+          <a:fontRef idx="minor">
+            <a:schemeClr val="tx1"/>
+          </a:fontRef>
+        </p:style>
+      </p:cxnSp>
+    </p:spTree>
+    <p:extLst>
+      <p:ext uri="{BB962C8B-B14F-4D97-AF65-F5344CB8AC3E}">
+        <p14:creationId xmlns:p14="http://schemas.microsoft.com/office/powerpoint/2010/main" val="2388974141"/>
+      </p:ext>
+    </p:extLst>
+  </p:cSld>
+  <p:clrMapOvr>
+    <a:masterClrMapping/>
+  </p:clrMapOvr>
+</p:sld>
+</file>
+
+<file path=ppt/slides/slide19.xml><?xml version="1.0" encoding="utf-8"?>
+<p:sld xmlns:a="http://schemas.openxmlformats.org/drawingml/2006/main" xmlns:r="http://schemas.openxmlformats.org/officeDocument/2006/relationships" xmlns:p="http://schemas.openxmlformats.org/presentationml/2006/main">
+  <p:cSld>
+    <p:spTree>
+      <p:nvGrpSpPr>
+        <p:cNvPr id="1" name=""/>
+        <p:cNvGrpSpPr/>
+        <p:nvPr/>
+      </p:nvGrpSpPr>
+      <p:grpSpPr>
+        <a:xfrm>
+          <a:off x="0" y="0"/>
+          <a:ext cx="0" cy="0"/>
+          <a:chOff x="0" y="0"/>
+          <a:chExt cx="0" cy="0"/>
+        </a:xfrm>
+      </p:grpSpPr>
+      <p:sp>
+        <p:nvSpPr>
+          <p:cNvPr id="5" name="Rectangle: Rounded Corners 4">
+            <a:extLst>
+              <a:ext uri="{FF2B5EF4-FFF2-40B4-BE49-F238E27FC236}">
+                <a16:creationId xmlns:a16="http://schemas.microsoft.com/office/drawing/2014/main" id="{4E07381F-015B-4143-A7E7-716F85E0D291}"/>
+              </a:ext>
+            </a:extLst>
+          </p:cNvPr>
+          <p:cNvSpPr/>
+          <p:nvPr/>
+        </p:nvSpPr>
+        <p:spPr>
+          <a:xfrm>
+            <a:off x="0" y="5957740"/>
+            <a:ext cx="12192000" cy="900260"/>
+          </a:xfrm>
+          <a:prstGeom prst="roundRect">
+            <a:avLst/>
+          </a:prstGeom>
+          <a:solidFill>
+            <a:schemeClr val="bg1">
+              <a:lumMod val="95000"/>
+            </a:schemeClr>
+          </a:solidFill>
+          <a:ln>
+            <a:noFill/>
+          </a:ln>
+        </p:spPr>
+        <p:style>
+          <a:lnRef idx="2">
+            <a:schemeClr val="accent1">
+              <a:shade val="50000"/>
+            </a:schemeClr>
+          </a:lnRef>
+          <a:fillRef idx="1">
+            <a:schemeClr val="accent1"/>
+          </a:fillRef>
+          <a:effectRef idx="0">
+            <a:schemeClr val="accent1"/>
+          </a:effectRef>
+          <a:fontRef idx="minor">
+            <a:schemeClr val="lt1"/>
+          </a:fontRef>
+        </p:style>
+        <p:txBody>
+          <a:bodyPr rtlCol="0" anchor="ctr"/>
+          <a:lstStyle/>
+          <a:p>
+            <a:pPr algn="ctr"/>
+            <a:endParaRPr lang="en-US" dirty="0"/>
+          </a:p>
+        </p:txBody>
+      </p:sp>
+      <p:grpSp>
+        <p:nvGrpSpPr>
+          <p:cNvPr id="6" name="Group 5">
+            <a:extLst>
+              <a:ext uri="{FF2B5EF4-FFF2-40B4-BE49-F238E27FC236}">
+                <a16:creationId xmlns:a16="http://schemas.microsoft.com/office/drawing/2014/main" id="{8FB7A631-B092-4A77-885D-0D9707DF0725}"/>
+              </a:ext>
+            </a:extLst>
+          </p:cNvPr>
+          <p:cNvGrpSpPr/>
+          <p:nvPr/>
+        </p:nvGrpSpPr>
+        <p:grpSpPr>
+          <a:xfrm>
+            <a:off x="69915" y="6127423"/>
+            <a:ext cx="2484749" cy="599388"/>
+            <a:chOff x="69915" y="6127423"/>
+            <a:chExt cx="2484749" cy="599388"/>
+          </a:xfrm>
+        </p:grpSpPr>
+        <p:pic>
+          <p:nvPicPr>
+            <p:cNvPr id="10" name="Picture 9">
+              <a:extLst>
+                <a:ext uri="{FF2B5EF4-FFF2-40B4-BE49-F238E27FC236}">
+                  <a16:creationId xmlns:a16="http://schemas.microsoft.com/office/drawing/2014/main" id="{38295065-1FA6-437D-9105-4FFC8DA146B1}"/>
+                </a:ext>
+              </a:extLst>
+            </p:cNvPr>
+            <p:cNvPicPr>
+              <a:picLocks noChangeAspect="1"/>
+            </p:cNvPicPr>
+            <p:nvPr/>
+          </p:nvPicPr>
+          <p:blipFill>
             <a:blip r:embed="rId3">
               <a:extLst>
                 <a:ext uri="{28A0092B-C50C-407E-A947-70E740481C1C}">
@@ -9577,1136 +10707,6 @@
     <p:extLst>
       <p:ext uri="{BB962C8B-B14F-4D97-AF65-F5344CB8AC3E}">
         <p14:creationId xmlns:p14="http://schemas.microsoft.com/office/powerpoint/2010/main" val="3126885569"/>
-      </p:ext>
-    </p:extLst>
-  </p:cSld>
-  <p:clrMapOvr>
-    <a:masterClrMapping/>
-  </p:clrMapOvr>
-</p:sld>
-</file>
-
-<file path=ppt/slides/slide19.xml><?xml version="1.0" encoding="utf-8"?>
-<p:sld xmlns:a="http://schemas.openxmlformats.org/drawingml/2006/main" xmlns:r="http://schemas.openxmlformats.org/officeDocument/2006/relationships" xmlns:p="http://schemas.openxmlformats.org/presentationml/2006/main">
-  <p:cSld>
-    <p:spTree>
-      <p:nvGrpSpPr>
-        <p:cNvPr id="1" name=""/>
-        <p:cNvGrpSpPr/>
-        <p:nvPr/>
-      </p:nvGrpSpPr>
-      <p:grpSpPr>
-        <a:xfrm>
-          <a:off x="0" y="0"/>
-          <a:ext cx="0" cy="0"/>
-          <a:chOff x="0" y="0"/>
-          <a:chExt cx="0" cy="0"/>
-        </a:xfrm>
-      </p:grpSpPr>
-      <p:sp>
-        <p:nvSpPr>
-          <p:cNvPr id="5" name="Rectangle: Rounded Corners 4">
-            <a:extLst>
-              <a:ext uri="{FF2B5EF4-FFF2-40B4-BE49-F238E27FC236}">
-                <a16:creationId xmlns:a16="http://schemas.microsoft.com/office/drawing/2014/main" id="{4E07381F-015B-4143-A7E7-716F85E0D291}"/>
-              </a:ext>
-            </a:extLst>
-          </p:cNvPr>
-          <p:cNvSpPr/>
-          <p:nvPr/>
-        </p:nvSpPr>
-        <p:spPr>
-          <a:xfrm>
-            <a:off x="0" y="5957740"/>
-            <a:ext cx="12192000" cy="900260"/>
-          </a:xfrm>
-          <a:prstGeom prst="roundRect">
-            <a:avLst/>
-          </a:prstGeom>
-          <a:solidFill>
-            <a:schemeClr val="bg1">
-              <a:lumMod val="95000"/>
-            </a:schemeClr>
-          </a:solidFill>
-          <a:ln>
-            <a:noFill/>
-          </a:ln>
-        </p:spPr>
-        <p:style>
-          <a:lnRef idx="2">
-            <a:schemeClr val="accent1">
-              <a:shade val="50000"/>
-            </a:schemeClr>
-          </a:lnRef>
-          <a:fillRef idx="1">
-            <a:schemeClr val="accent1"/>
-          </a:fillRef>
-          <a:effectRef idx="0">
-            <a:schemeClr val="accent1"/>
-          </a:effectRef>
-          <a:fontRef idx="minor">
-            <a:schemeClr val="lt1"/>
-          </a:fontRef>
-        </p:style>
-        <p:txBody>
-          <a:bodyPr rtlCol="0" anchor="ctr"/>
-          <a:lstStyle/>
-          <a:p>
-            <a:pPr algn="ctr"/>
-            <a:endParaRPr lang="en-US" dirty="0"/>
-          </a:p>
-        </p:txBody>
-      </p:sp>
-      <p:grpSp>
-        <p:nvGrpSpPr>
-          <p:cNvPr id="6" name="Group 5">
-            <a:extLst>
-              <a:ext uri="{FF2B5EF4-FFF2-40B4-BE49-F238E27FC236}">
-                <a16:creationId xmlns:a16="http://schemas.microsoft.com/office/drawing/2014/main" id="{8FB7A631-B092-4A77-885D-0D9707DF0725}"/>
-              </a:ext>
-            </a:extLst>
-          </p:cNvPr>
-          <p:cNvGrpSpPr/>
-          <p:nvPr/>
-        </p:nvGrpSpPr>
-        <p:grpSpPr>
-          <a:xfrm>
-            <a:off x="69915" y="6127423"/>
-            <a:ext cx="2484749" cy="599388"/>
-            <a:chOff x="69915" y="6127423"/>
-            <a:chExt cx="2484749" cy="599388"/>
-          </a:xfrm>
-        </p:grpSpPr>
-        <p:pic>
-          <p:nvPicPr>
-            <p:cNvPr id="10" name="Picture 9">
-              <a:extLst>
-                <a:ext uri="{FF2B5EF4-FFF2-40B4-BE49-F238E27FC236}">
-                  <a16:creationId xmlns:a16="http://schemas.microsoft.com/office/drawing/2014/main" id="{38295065-1FA6-437D-9105-4FFC8DA146B1}"/>
-                </a:ext>
-              </a:extLst>
-            </p:cNvPr>
-            <p:cNvPicPr>
-              <a:picLocks noChangeAspect="1"/>
-            </p:cNvPicPr>
-            <p:nvPr/>
-          </p:nvPicPr>
-          <p:blipFill>
-            <a:blip r:embed="rId2">
-              <a:extLst>
-                <a:ext uri="{28A0092B-C50C-407E-A947-70E740481C1C}">
-                  <a14:useLocalDpi xmlns:a14="http://schemas.microsoft.com/office/drawing/2010/main" val="0"/>
-                </a:ext>
-              </a:extLst>
-            </a:blip>
-            <a:stretch>
-              <a:fillRect/>
-            </a:stretch>
-          </p:blipFill>
-          <p:spPr>
-            <a:xfrm>
-              <a:off x="69915" y="6127423"/>
-              <a:ext cx="599388" cy="599388"/>
-            </a:xfrm>
-            <a:prstGeom prst="rect">
-              <a:avLst/>
-            </a:prstGeom>
-          </p:spPr>
-        </p:pic>
-        <p:sp>
-          <p:nvSpPr>
-            <p:cNvPr id="11" name="TextBox 10">
-              <a:extLst>
-                <a:ext uri="{FF2B5EF4-FFF2-40B4-BE49-F238E27FC236}">
-                  <a16:creationId xmlns:a16="http://schemas.microsoft.com/office/drawing/2014/main" id="{6D5F15F1-CDCE-4788-8A9D-1BDCBCE7D55D}"/>
-                </a:ext>
-              </a:extLst>
-            </p:cNvPr>
-            <p:cNvSpPr txBox="1"/>
-            <p:nvPr/>
-          </p:nvSpPr>
-          <p:spPr>
-            <a:xfrm>
-              <a:off x="537328" y="6240095"/>
-              <a:ext cx="2017336" cy="369332"/>
-            </a:xfrm>
-            <a:prstGeom prst="rect">
-              <a:avLst/>
-            </a:prstGeom>
-            <a:noFill/>
-          </p:spPr>
-          <p:txBody>
-            <a:bodyPr wrap="square" rtlCol="0">
-              <a:spAutoFit/>
-            </a:bodyPr>
-            <a:lstStyle/>
-            <a:p>
-              <a:r>
-                <a:rPr lang="en-US" b="1" dirty="0">
-                  <a:solidFill>
-                    <a:schemeClr val="bg1">
-                      <a:lumMod val="50000"/>
-                    </a:schemeClr>
-                  </a:solidFill>
-                </a:rPr>
-                <a:t>@daveabrock</a:t>
-              </a:r>
-            </a:p>
-          </p:txBody>
-        </p:sp>
-      </p:grpSp>
-      <p:grpSp>
-        <p:nvGrpSpPr>
-          <p:cNvPr id="7" name="Group 6">
-            <a:extLst>
-              <a:ext uri="{FF2B5EF4-FFF2-40B4-BE49-F238E27FC236}">
-                <a16:creationId xmlns:a16="http://schemas.microsoft.com/office/drawing/2014/main" id="{376D2628-0889-4F28-BC14-D5CFBDF1EBB4}"/>
-              </a:ext>
-            </a:extLst>
-          </p:cNvPr>
-          <p:cNvGrpSpPr/>
-          <p:nvPr/>
-        </p:nvGrpSpPr>
-        <p:grpSpPr>
-          <a:xfrm>
-            <a:off x="9884049" y="6174106"/>
-            <a:ext cx="2262428" cy="490193"/>
-            <a:chOff x="10011271" y="6174106"/>
-            <a:chExt cx="2262428" cy="490193"/>
-          </a:xfrm>
-        </p:grpSpPr>
-        <p:pic>
-          <p:nvPicPr>
-            <p:cNvPr id="8" name="Picture 7">
-              <a:extLst>
-                <a:ext uri="{FF2B5EF4-FFF2-40B4-BE49-F238E27FC236}">
-                  <a16:creationId xmlns:a16="http://schemas.microsoft.com/office/drawing/2014/main" id="{2CA38E81-94BE-4264-AC06-73A29C9DEFD0}"/>
-                </a:ext>
-              </a:extLst>
-            </p:cNvPr>
-            <p:cNvPicPr>
-              <a:picLocks noChangeAspect="1"/>
-            </p:cNvPicPr>
-            <p:nvPr/>
-          </p:nvPicPr>
-          <p:blipFill>
-            <a:blip r:embed="rId3">
-              <a:extLst>
-                <a:ext uri="{28A0092B-C50C-407E-A947-70E740481C1C}">
-                  <a14:useLocalDpi xmlns:a14="http://schemas.microsoft.com/office/drawing/2010/main" val="0"/>
-                </a:ext>
-              </a:extLst>
-            </a:blip>
-            <a:stretch>
-              <a:fillRect/>
-            </a:stretch>
-          </p:blipFill>
-          <p:spPr>
-            <a:xfrm>
-              <a:off x="10011271" y="6174106"/>
-              <a:ext cx="490193" cy="490193"/>
-            </a:xfrm>
-            <a:prstGeom prst="rect">
-              <a:avLst/>
-            </a:prstGeom>
-          </p:spPr>
-        </p:pic>
-        <p:sp>
-          <p:nvSpPr>
-            <p:cNvPr id="9" name="TextBox 8">
-              <a:extLst>
-                <a:ext uri="{FF2B5EF4-FFF2-40B4-BE49-F238E27FC236}">
-                  <a16:creationId xmlns:a16="http://schemas.microsoft.com/office/drawing/2014/main" id="{98019F52-793C-48FE-876E-32C7B98D198A}"/>
-                </a:ext>
-              </a:extLst>
-            </p:cNvPr>
-            <p:cNvSpPr txBox="1"/>
-            <p:nvPr/>
-          </p:nvSpPr>
-          <p:spPr>
-            <a:xfrm>
-              <a:off x="10492033" y="6240095"/>
-              <a:ext cx="1781666" cy="369332"/>
-            </a:xfrm>
-            <a:prstGeom prst="rect">
-              <a:avLst/>
-            </a:prstGeom>
-            <a:noFill/>
-          </p:spPr>
-          <p:txBody>
-            <a:bodyPr wrap="square" rtlCol="0">
-              <a:spAutoFit/>
-            </a:bodyPr>
-            <a:lstStyle/>
-            <a:p>
-              <a:r>
-                <a:rPr lang="en-US" b="1" dirty="0">
-                  <a:solidFill>
-                    <a:schemeClr val="bg1">
-                      <a:lumMod val="50000"/>
-                    </a:schemeClr>
-                  </a:solidFill>
-                </a:rPr>
-                <a:t>daveabrock.com</a:t>
-              </a:r>
-            </a:p>
-          </p:txBody>
-        </p:sp>
-      </p:grpSp>
-      <p:sp>
-        <p:nvSpPr>
-          <p:cNvPr id="18" name="Rectangle: Rounded Corners 17">
-            <a:extLst>
-              <a:ext uri="{FF2B5EF4-FFF2-40B4-BE49-F238E27FC236}">
-                <a16:creationId xmlns:a16="http://schemas.microsoft.com/office/drawing/2014/main" id="{1A364702-BD55-4AB5-AD79-535FE8E5B4A8}"/>
-              </a:ext>
-            </a:extLst>
-          </p:cNvPr>
-          <p:cNvSpPr/>
-          <p:nvPr/>
-        </p:nvSpPr>
-        <p:spPr>
-          <a:xfrm>
-            <a:off x="0" y="33648"/>
-            <a:ext cx="12192000" cy="975020"/>
-          </a:xfrm>
-          <a:prstGeom prst="roundRect">
-            <a:avLst/>
-          </a:prstGeom>
-          <a:solidFill>
-            <a:schemeClr val="bg1">
-              <a:lumMod val="95000"/>
-            </a:schemeClr>
-          </a:solidFill>
-          <a:ln>
-            <a:noFill/>
-          </a:ln>
-        </p:spPr>
-        <p:style>
-          <a:lnRef idx="2">
-            <a:schemeClr val="accent1">
-              <a:shade val="50000"/>
-            </a:schemeClr>
-          </a:lnRef>
-          <a:fillRef idx="1">
-            <a:schemeClr val="accent1"/>
-          </a:fillRef>
-          <a:effectRef idx="0">
-            <a:schemeClr val="accent1"/>
-          </a:effectRef>
-          <a:fontRef idx="minor">
-            <a:schemeClr val="lt1"/>
-          </a:fontRef>
-        </p:style>
-        <p:txBody>
-          <a:bodyPr rtlCol="0" anchor="ctr"/>
-          <a:lstStyle/>
-          <a:p>
-            <a:r>
-              <a:rPr lang="en-US" sz="3200" b="1" dirty="0">
-                <a:solidFill>
-                  <a:schemeClr val="bg1">
-                    <a:lumMod val="50000"/>
-                  </a:schemeClr>
-                </a:solidFill>
-              </a:rPr>
-              <a:t>How Does </a:t>
-            </a:r>
-            <a:r>
-              <a:rPr lang="en-US" sz="3200" b="1" dirty="0" err="1">
-                <a:solidFill>
-                  <a:schemeClr val="bg1">
-                    <a:lumMod val="50000"/>
-                  </a:schemeClr>
-                </a:solidFill>
-              </a:rPr>
-              <a:t>Blazor</a:t>
-            </a:r>
-            <a:r>
-              <a:rPr lang="en-US" sz="3200" b="1" dirty="0">
-                <a:solidFill>
-                  <a:schemeClr val="bg1">
-                    <a:lumMod val="50000"/>
-                  </a:schemeClr>
-                </a:solidFill>
-              </a:rPr>
-              <a:t> Work with Web Assembly?</a:t>
-            </a:r>
-          </a:p>
-        </p:txBody>
-      </p:sp>
-      <p:pic>
-        <p:nvPicPr>
-          <p:cNvPr id="20" name="Picture 19">
-            <a:extLst>
-              <a:ext uri="{FF2B5EF4-FFF2-40B4-BE49-F238E27FC236}">
-                <a16:creationId xmlns:a16="http://schemas.microsoft.com/office/drawing/2014/main" id="{43AE1DD2-EE34-47AD-B652-99BEBCD345E6}"/>
-              </a:ext>
-            </a:extLst>
-          </p:cNvPr>
-          <p:cNvPicPr>
-            <a:picLocks noChangeAspect="1"/>
-          </p:cNvPicPr>
-          <p:nvPr/>
-        </p:nvPicPr>
-        <p:blipFill>
-          <a:blip r:embed="rId4">
-            <a:extLst>
-              <a:ext uri="{28A0092B-C50C-407E-A947-70E740481C1C}">
-                <a14:useLocalDpi xmlns:a14="http://schemas.microsoft.com/office/drawing/2010/main" val="0"/>
-              </a:ext>
-              <a:ext uri="{837473B0-CC2E-450A-ABE3-18F120FF3D39}">
-                <a1611:picAttrSrcUrl xmlns:a1611="http://schemas.microsoft.com/office/drawing/2016/11/main" r:id="rId5"/>
-              </a:ext>
-            </a:extLst>
-          </a:blip>
-          <a:stretch>
-            <a:fillRect/>
-          </a:stretch>
-        </p:blipFill>
-        <p:spPr>
-          <a:xfrm>
-            <a:off x="713088" y="1574904"/>
-            <a:ext cx="1665816" cy="1665816"/>
-          </a:xfrm>
-          <a:prstGeom prst="rect">
-            <a:avLst/>
-          </a:prstGeom>
-        </p:spPr>
-      </p:pic>
-      <p:pic>
-        <p:nvPicPr>
-          <p:cNvPr id="22" name="Picture 21">
-            <a:extLst>
-              <a:ext uri="{FF2B5EF4-FFF2-40B4-BE49-F238E27FC236}">
-                <a16:creationId xmlns:a16="http://schemas.microsoft.com/office/drawing/2014/main" id="{265CD5EB-9AF3-4752-BEFA-5F8EF6A92255}"/>
-              </a:ext>
-            </a:extLst>
-          </p:cNvPr>
-          <p:cNvPicPr>
-            <a:picLocks noChangeAspect="1"/>
-          </p:cNvPicPr>
-          <p:nvPr/>
-        </p:nvPicPr>
-        <p:blipFill>
-          <a:blip r:embed="rId4">
-            <a:extLst>
-              <a:ext uri="{28A0092B-C50C-407E-A947-70E740481C1C}">
-                <a14:useLocalDpi xmlns:a14="http://schemas.microsoft.com/office/drawing/2010/main" val="0"/>
-              </a:ext>
-              <a:ext uri="{837473B0-CC2E-450A-ABE3-18F120FF3D39}">
-                <a1611:picAttrSrcUrl xmlns:a1611="http://schemas.microsoft.com/office/drawing/2016/11/main" r:id="rId5"/>
-              </a:ext>
-            </a:extLst>
-          </a:blip>
-          <a:stretch>
-            <a:fillRect/>
-          </a:stretch>
-        </p:blipFill>
-        <p:spPr>
-          <a:xfrm>
-            <a:off x="719150" y="3670226"/>
-            <a:ext cx="1665816" cy="1665816"/>
-          </a:xfrm>
-          <a:prstGeom prst="rect">
-            <a:avLst/>
-          </a:prstGeom>
-        </p:spPr>
-      </p:pic>
-      <p:sp>
-        <p:nvSpPr>
-          <p:cNvPr id="23" name="TextBox 22">
-            <a:extLst>
-              <a:ext uri="{FF2B5EF4-FFF2-40B4-BE49-F238E27FC236}">
-                <a16:creationId xmlns:a16="http://schemas.microsoft.com/office/drawing/2014/main" id="{154AE5E9-5B2D-4653-8924-EE50C7BCF21F}"/>
-              </a:ext>
-            </a:extLst>
-          </p:cNvPr>
-          <p:cNvSpPr txBox="1"/>
-          <p:nvPr/>
-        </p:nvSpPr>
-        <p:spPr>
-          <a:xfrm>
-            <a:off x="973667" y="3240720"/>
-            <a:ext cx="1134533" cy="376561"/>
-          </a:xfrm>
-          <a:prstGeom prst="rect">
-            <a:avLst/>
-          </a:prstGeom>
-          <a:noFill/>
-        </p:spPr>
-        <p:txBody>
-          <a:bodyPr wrap="square" rtlCol="0">
-            <a:spAutoFit/>
-          </a:bodyPr>
-          <a:lstStyle/>
-          <a:p>
-            <a:pPr algn="ctr"/>
-            <a:r>
-              <a:rPr lang="en-US" i="1" dirty="0"/>
-              <a:t>.</a:t>
-            </a:r>
-            <a:r>
-              <a:rPr lang="en-US" i="1" dirty="0" err="1"/>
-              <a:t>cshtml</a:t>
-            </a:r>
-            <a:endParaRPr lang="en-US" i="1" dirty="0"/>
-          </a:p>
-        </p:txBody>
-      </p:sp>
-      <p:sp>
-        <p:nvSpPr>
-          <p:cNvPr id="24" name="TextBox 23">
-            <a:extLst>
-              <a:ext uri="{FF2B5EF4-FFF2-40B4-BE49-F238E27FC236}">
-                <a16:creationId xmlns:a16="http://schemas.microsoft.com/office/drawing/2014/main" id="{F3C1666A-B02C-47F5-8C82-1CF8588FF37F}"/>
-              </a:ext>
-            </a:extLst>
-          </p:cNvPr>
-          <p:cNvSpPr txBox="1"/>
-          <p:nvPr/>
-        </p:nvSpPr>
-        <p:spPr>
-          <a:xfrm>
-            <a:off x="973667" y="5440001"/>
-            <a:ext cx="1134533" cy="376561"/>
-          </a:xfrm>
-          <a:prstGeom prst="rect">
-            <a:avLst/>
-          </a:prstGeom>
-          <a:noFill/>
-        </p:spPr>
-        <p:txBody>
-          <a:bodyPr wrap="square" rtlCol="0">
-            <a:spAutoFit/>
-          </a:bodyPr>
-          <a:lstStyle/>
-          <a:p>
-            <a:pPr algn="ctr"/>
-            <a:r>
-              <a:rPr lang="en-US" i="1" dirty="0"/>
-              <a:t>.cs</a:t>
-            </a:r>
-          </a:p>
-        </p:txBody>
-      </p:sp>
-      <p:sp>
-        <p:nvSpPr>
-          <p:cNvPr id="25" name="Rectangle: Rounded Corners 24">
-            <a:extLst>
-              <a:ext uri="{FF2B5EF4-FFF2-40B4-BE49-F238E27FC236}">
-                <a16:creationId xmlns:a16="http://schemas.microsoft.com/office/drawing/2014/main" id="{B4458C6D-62AC-4355-B30B-26E9AFECBED2}"/>
-              </a:ext>
-            </a:extLst>
-          </p:cNvPr>
-          <p:cNvSpPr/>
-          <p:nvPr/>
-        </p:nvSpPr>
-        <p:spPr>
-          <a:xfrm>
-            <a:off x="3517516" y="2719630"/>
-            <a:ext cx="3175000" cy="1253067"/>
-          </a:xfrm>
-          <a:prstGeom prst="roundRect">
-            <a:avLst/>
-          </a:prstGeom>
-          <a:solidFill>
-            <a:schemeClr val="accent1">
-              <a:lumMod val="60000"/>
-              <a:lumOff val="40000"/>
-            </a:schemeClr>
-          </a:solidFill>
-        </p:spPr>
-        <p:style>
-          <a:lnRef idx="2">
-            <a:schemeClr val="accent1">
-              <a:shade val="50000"/>
-            </a:schemeClr>
-          </a:lnRef>
-          <a:fillRef idx="1">
-            <a:schemeClr val="accent1"/>
-          </a:fillRef>
-          <a:effectRef idx="0">
-            <a:schemeClr val="accent1"/>
-          </a:effectRef>
-          <a:fontRef idx="minor">
-            <a:schemeClr val="lt1"/>
-          </a:fontRef>
-        </p:style>
-        <p:txBody>
-          <a:bodyPr rtlCol="0" anchor="ctr"/>
-          <a:lstStyle/>
-          <a:p>
-            <a:pPr algn="ctr"/>
-            <a:r>
-              <a:rPr lang="en-US" b="1" dirty="0"/>
-              <a:t>Assembly compilation (.</a:t>
-            </a:r>
-            <a:r>
-              <a:rPr lang="en-US" b="1" dirty="0" err="1"/>
-              <a:t>dll</a:t>
-            </a:r>
-            <a:r>
-              <a:rPr lang="en-US" b="1" dirty="0"/>
-              <a:t>)</a:t>
-            </a:r>
-          </a:p>
-        </p:txBody>
-      </p:sp>
-      <p:sp>
-        <p:nvSpPr>
-          <p:cNvPr id="26" name="Rectangle: Rounded Corners 25">
-            <a:extLst>
-              <a:ext uri="{FF2B5EF4-FFF2-40B4-BE49-F238E27FC236}">
-                <a16:creationId xmlns:a16="http://schemas.microsoft.com/office/drawing/2014/main" id="{630DCCB4-0849-4B36-A877-CA7FBB636753}"/>
-              </a:ext>
-            </a:extLst>
-          </p:cNvPr>
-          <p:cNvSpPr/>
-          <p:nvPr/>
-        </p:nvSpPr>
-        <p:spPr>
-          <a:xfrm>
-            <a:off x="7518400" y="1656080"/>
-            <a:ext cx="4246880" cy="3433404"/>
-          </a:xfrm>
-          <a:prstGeom prst="roundRect">
-            <a:avLst/>
-          </a:prstGeom>
-          <a:solidFill>
-            <a:schemeClr val="accent1">
-              <a:lumMod val="20000"/>
-              <a:lumOff val="80000"/>
-            </a:schemeClr>
-          </a:solidFill>
-        </p:spPr>
-        <p:style>
-          <a:lnRef idx="2">
-            <a:schemeClr val="accent1">
-              <a:shade val="50000"/>
-            </a:schemeClr>
-          </a:lnRef>
-          <a:fillRef idx="1">
-            <a:schemeClr val="accent1"/>
-          </a:fillRef>
-          <a:effectRef idx="0">
-            <a:schemeClr val="accent1"/>
-          </a:effectRef>
-          <a:fontRef idx="minor">
-            <a:schemeClr val="lt1"/>
-          </a:fontRef>
-        </p:style>
-        <p:txBody>
-          <a:bodyPr rtlCol="0" anchor="ctr"/>
-          <a:lstStyle/>
-          <a:p>
-            <a:pPr algn="ctr"/>
-            <a:endParaRPr lang="en-US"/>
-          </a:p>
-        </p:txBody>
-      </p:sp>
-      <p:pic>
-        <p:nvPicPr>
-          <p:cNvPr id="28" name="Picture 27">
-            <a:extLst>
-              <a:ext uri="{FF2B5EF4-FFF2-40B4-BE49-F238E27FC236}">
-                <a16:creationId xmlns:a16="http://schemas.microsoft.com/office/drawing/2014/main" id="{9FA9D8D7-2317-4B03-92BC-6487D7329B00}"/>
-              </a:ext>
-            </a:extLst>
-          </p:cNvPr>
-          <p:cNvPicPr>
-            <a:picLocks noChangeAspect="1"/>
-          </p:cNvPicPr>
-          <p:nvPr/>
-        </p:nvPicPr>
-        <p:blipFill>
-          <a:blip r:embed="rId6">
-            <a:extLst>
-              <a:ext uri="{28A0092B-C50C-407E-A947-70E740481C1C}">
-                <a14:useLocalDpi xmlns:a14="http://schemas.microsoft.com/office/drawing/2010/main" val="0"/>
-              </a:ext>
-            </a:extLst>
-          </a:blip>
-          <a:stretch>
-            <a:fillRect/>
-          </a:stretch>
-        </p:blipFill>
-        <p:spPr>
-          <a:xfrm>
-            <a:off x="11110626" y="1542939"/>
-            <a:ext cx="797560" cy="797560"/>
-          </a:xfrm>
-          <a:prstGeom prst="rect">
-            <a:avLst/>
-          </a:prstGeom>
-        </p:spPr>
-      </p:pic>
-      <p:pic>
-        <p:nvPicPr>
-          <p:cNvPr id="30" name="Picture 29">
-            <a:extLst>
-              <a:ext uri="{FF2B5EF4-FFF2-40B4-BE49-F238E27FC236}">
-                <a16:creationId xmlns:a16="http://schemas.microsoft.com/office/drawing/2014/main" id="{9F2FFEE5-A14B-44A5-A6C1-4BA64EFC35CC}"/>
-              </a:ext>
-            </a:extLst>
-          </p:cNvPr>
-          <p:cNvPicPr>
-            <a:picLocks noChangeAspect="1"/>
-          </p:cNvPicPr>
-          <p:nvPr/>
-        </p:nvPicPr>
-        <p:blipFill>
-          <a:blip r:embed="rId7">
-            <a:extLst>
-              <a:ext uri="{28A0092B-C50C-407E-A947-70E740481C1C}">
-                <a14:useLocalDpi xmlns:a14="http://schemas.microsoft.com/office/drawing/2010/main" val="0"/>
-              </a:ext>
-            </a:extLst>
-          </a:blip>
-          <a:stretch>
-            <a:fillRect/>
-          </a:stretch>
-        </p:blipFill>
-        <p:spPr>
-          <a:xfrm>
-            <a:off x="7382624" y="1519052"/>
-            <a:ext cx="751840" cy="751840"/>
-          </a:xfrm>
-          <a:prstGeom prst="rect">
-            <a:avLst/>
-          </a:prstGeom>
-        </p:spPr>
-      </p:pic>
-      <p:pic>
-        <p:nvPicPr>
-          <p:cNvPr id="32" name="Picture 31">
-            <a:extLst>
-              <a:ext uri="{FF2B5EF4-FFF2-40B4-BE49-F238E27FC236}">
-                <a16:creationId xmlns:a16="http://schemas.microsoft.com/office/drawing/2014/main" id="{630A00D4-D5C3-4ADC-88E7-1D146D62A768}"/>
-              </a:ext>
-            </a:extLst>
-          </p:cNvPr>
-          <p:cNvPicPr>
-            <a:picLocks noChangeAspect="1"/>
-          </p:cNvPicPr>
-          <p:nvPr/>
-        </p:nvPicPr>
-        <p:blipFill>
-          <a:blip r:embed="rId8">
-            <a:extLst>
-              <a:ext uri="{28A0092B-C50C-407E-A947-70E740481C1C}">
-                <a14:useLocalDpi xmlns:a14="http://schemas.microsoft.com/office/drawing/2010/main" val="0"/>
-              </a:ext>
-            </a:extLst>
-          </a:blip>
-          <a:stretch>
-            <a:fillRect/>
-          </a:stretch>
-        </p:blipFill>
-        <p:spPr>
-          <a:xfrm>
-            <a:off x="7433424" y="4510825"/>
-            <a:ext cx="771832" cy="797560"/>
-          </a:xfrm>
-          <a:prstGeom prst="rect">
-            <a:avLst/>
-          </a:prstGeom>
-        </p:spPr>
-      </p:pic>
-      <p:pic>
-        <p:nvPicPr>
-          <p:cNvPr id="34" name="Picture 33">
-            <a:extLst>
-              <a:ext uri="{FF2B5EF4-FFF2-40B4-BE49-F238E27FC236}">
-                <a16:creationId xmlns:a16="http://schemas.microsoft.com/office/drawing/2014/main" id="{BF70AA60-3757-4A44-A2D1-4304AC9D3678}"/>
-              </a:ext>
-            </a:extLst>
-          </p:cNvPr>
-          <p:cNvPicPr>
-            <a:picLocks noChangeAspect="1"/>
-          </p:cNvPicPr>
-          <p:nvPr/>
-        </p:nvPicPr>
-        <p:blipFill>
-          <a:blip r:embed="rId9">
-            <a:extLst>
-              <a:ext uri="{28A0092B-C50C-407E-A947-70E740481C1C}">
-                <a14:useLocalDpi xmlns:a14="http://schemas.microsoft.com/office/drawing/2010/main" val="0"/>
-              </a:ext>
-            </a:extLst>
-          </a:blip>
-          <a:stretch>
-            <a:fillRect/>
-          </a:stretch>
-        </p:blipFill>
-        <p:spPr>
-          <a:xfrm>
-            <a:off x="11132834" y="4354033"/>
-            <a:ext cx="975020" cy="975020"/>
-          </a:xfrm>
-          <a:prstGeom prst="rect">
-            <a:avLst/>
-          </a:prstGeom>
-        </p:spPr>
-      </p:pic>
-      <p:sp>
-        <p:nvSpPr>
-          <p:cNvPr id="35" name="TextBox 34">
-            <a:extLst>
-              <a:ext uri="{FF2B5EF4-FFF2-40B4-BE49-F238E27FC236}">
-                <a16:creationId xmlns:a16="http://schemas.microsoft.com/office/drawing/2014/main" id="{8F08A415-15AA-44BA-AB83-A32390D56734}"/>
-              </a:ext>
-            </a:extLst>
-          </p:cNvPr>
-          <p:cNvSpPr txBox="1"/>
-          <p:nvPr/>
-        </p:nvSpPr>
-        <p:spPr>
-          <a:xfrm>
-            <a:off x="7518400" y="1168476"/>
-            <a:ext cx="4064000" cy="523220"/>
-          </a:xfrm>
-          <a:prstGeom prst="rect">
-            <a:avLst/>
-          </a:prstGeom>
-          <a:noFill/>
-        </p:spPr>
-        <p:txBody>
-          <a:bodyPr wrap="square" rtlCol="0">
-            <a:spAutoFit/>
-          </a:bodyPr>
-          <a:lstStyle/>
-          <a:p>
-            <a:pPr algn="ctr"/>
-            <a:r>
-              <a:rPr lang="en-US" sz="2800" b="1" dirty="0"/>
-              <a:t>BROWSER</a:t>
-            </a:r>
-          </a:p>
-        </p:txBody>
-      </p:sp>
-      <p:sp>
-        <p:nvSpPr>
-          <p:cNvPr id="36" name="Rectangle: Rounded Corners 35">
-            <a:extLst>
-              <a:ext uri="{FF2B5EF4-FFF2-40B4-BE49-F238E27FC236}">
-                <a16:creationId xmlns:a16="http://schemas.microsoft.com/office/drawing/2014/main" id="{9D23E77B-E94C-482F-AB3B-8A4189E16539}"/>
-              </a:ext>
-            </a:extLst>
-          </p:cNvPr>
-          <p:cNvSpPr/>
-          <p:nvPr/>
-        </p:nvSpPr>
-        <p:spPr>
-          <a:xfrm>
-            <a:off x="8412480" y="2092960"/>
-            <a:ext cx="2667652" cy="797560"/>
-          </a:xfrm>
-          <a:prstGeom prst="roundRect">
-            <a:avLst/>
-          </a:prstGeom>
-          <a:solidFill>
-            <a:schemeClr val="accent1">
-              <a:lumMod val="40000"/>
-              <a:lumOff val="60000"/>
-            </a:schemeClr>
-          </a:solidFill>
-        </p:spPr>
-        <p:style>
-          <a:lnRef idx="2">
-            <a:schemeClr val="accent1">
-              <a:shade val="50000"/>
-            </a:schemeClr>
-          </a:lnRef>
-          <a:fillRef idx="1">
-            <a:schemeClr val="accent1"/>
-          </a:fillRef>
-          <a:effectRef idx="0">
-            <a:schemeClr val="accent1"/>
-          </a:effectRef>
-          <a:fontRef idx="minor">
-            <a:schemeClr val="lt1"/>
-          </a:fontRef>
-        </p:style>
-        <p:txBody>
-          <a:bodyPr rtlCol="0" anchor="ctr"/>
-          <a:lstStyle/>
-          <a:p>
-            <a:pPr algn="ctr"/>
-            <a:r>
-              <a:rPr lang="en-US" dirty="0"/>
-              <a:t>.NET WA implementation </a:t>
-            </a:r>
-          </a:p>
-          <a:p>
-            <a:pPr algn="ctr"/>
-            <a:r>
-              <a:rPr lang="en-US" dirty="0"/>
-              <a:t>(</a:t>
-            </a:r>
-            <a:r>
-              <a:rPr lang="en-US" dirty="0" err="1"/>
-              <a:t>mono.wasm</a:t>
-            </a:r>
-            <a:r>
-              <a:rPr lang="en-US" dirty="0"/>
-              <a:t>)</a:t>
-            </a:r>
-          </a:p>
-        </p:txBody>
-      </p:sp>
-      <p:sp>
-        <p:nvSpPr>
-          <p:cNvPr id="38" name="Rectangle: Rounded Corners 37">
-            <a:extLst>
-              <a:ext uri="{FF2B5EF4-FFF2-40B4-BE49-F238E27FC236}">
-                <a16:creationId xmlns:a16="http://schemas.microsoft.com/office/drawing/2014/main" id="{63B13810-4C0C-4F32-97E9-19172F80342C}"/>
-              </a:ext>
-            </a:extLst>
-          </p:cNvPr>
-          <p:cNvSpPr/>
-          <p:nvPr/>
-        </p:nvSpPr>
-        <p:spPr>
-          <a:xfrm>
-            <a:off x="8412480" y="3781574"/>
-            <a:ext cx="2667652" cy="797560"/>
-          </a:xfrm>
-          <a:prstGeom prst="roundRect">
-            <a:avLst/>
-          </a:prstGeom>
-          <a:solidFill>
-            <a:schemeClr val="accent1">
-              <a:lumMod val="60000"/>
-              <a:lumOff val="40000"/>
-            </a:schemeClr>
-          </a:solidFill>
-        </p:spPr>
-        <p:style>
-          <a:lnRef idx="2">
-            <a:schemeClr val="accent1">
-              <a:shade val="50000"/>
-            </a:schemeClr>
-          </a:lnRef>
-          <a:fillRef idx="1">
-            <a:schemeClr val="accent1"/>
-          </a:fillRef>
-          <a:effectRef idx="0">
-            <a:schemeClr val="accent1"/>
-          </a:effectRef>
-          <a:fontRef idx="minor">
-            <a:schemeClr val="lt1"/>
-          </a:fontRef>
-        </p:style>
-        <p:txBody>
-          <a:bodyPr rtlCol="0" anchor="ctr"/>
-          <a:lstStyle/>
-          <a:p>
-            <a:pPr algn="ctr"/>
-            <a:r>
-              <a:rPr lang="en-US" dirty="0"/>
-              <a:t>.NET assemblies</a:t>
-            </a:r>
-          </a:p>
-          <a:p>
-            <a:pPr algn="ctr"/>
-            <a:r>
-              <a:rPr lang="en-US" dirty="0"/>
-              <a:t>(dependent DLLs)</a:t>
-            </a:r>
-          </a:p>
-        </p:txBody>
-      </p:sp>
-      <p:sp>
-        <p:nvSpPr>
-          <p:cNvPr id="39" name="Rectangle: Rounded Corners 38">
-            <a:extLst>
-              <a:ext uri="{FF2B5EF4-FFF2-40B4-BE49-F238E27FC236}">
-                <a16:creationId xmlns:a16="http://schemas.microsoft.com/office/drawing/2014/main" id="{6FA549BC-FC94-40BB-A62B-BC7A435D2C80}"/>
-              </a:ext>
-            </a:extLst>
-          </p:cNvPr>
-          <p:cNvSpPr/>
-          <p:nvPr/>
-        </p:nvSpPr>
-        <p:spPr>
-          <a:xfrm>
-            <a:off x="8412480" y="2922506"/>
-            <a:ext cx="2667652" cy="797560"/>
-          </a:xfrm>
-          <a:prstGeom prst="roundRect">
-            <a:avLst/>
-          </a:prstGeom>
-          <a:solidFill>
-            <a:schemeClr val="accent1">
-              <a:lumMod val="75000"/>
-            </a:schemeClr>
-          </a:solidFill>
-        </p:spPr>
-        <p:style>
-          <a:lnRef idx="2">
-            <a:schemeClr val="accent1">
-              <a:shade val="50000"/>
-            </a:schemeClr>
-          </a:lnRef>
-          <a:fillRef idx="1">
-            <a:schemeClr val="accent1"/>
-          </a:fillRef>
-          <a:effectRef idx="0">
-            <a:schemeClr val="accent1"/>
-          </a:effectRef>
-          <a:fontRef idx="minor">
-            <a:schemeClr val="lt1"/>
-          </a:fontRef>
-        </p:style>
-        <p:txBody>
-          <a:bodyPr rtlCol="0" anchor="ctr"/>
-          <a:lstStyle/>
-          <a:p>
-            <a:pPr algn="ctr"/>
-            <a:r>
-              <a:rPr lang="en-US" dirty="0" err="1"/>
-              <a:t>Blazor</a:t>
-            </a:r>
-            <a:r>
-              <a:rPr lang="en-US" dirty="0"/>
-              <a:t> app</a:t>
-            </a:r>
-          </a:p>
-          <a:p>
-            <a:pPr algn="ctr"/>
-            <a:r>
-              <a:rPr lang="en-US" dirty="0"/>
-              <a:t>(App.dll)</a:t>
-            </a:r>
-          </a:p>
-        </p:txBody>
-      </p:sp>
-      <p:cxnSp>
-        <p:nvCxnSpPr>
-          <p:cNvPr id="41" name="Straight Arrow Connector 40">
-            <a:extLst>
-              <a:ext uri="{FF2B5EF4-FFF2-40B4-BE49-F238E27FC236}">
-                <a16:creationId xmlns:a16="http://schemas.microsoft.com/office/drawing/2014/main" id="{F08DE729-7CE4-47EC-AD3E-7F0459E8A41E}"/>
-              </a:ext>
-            </a:extLst>
-          </p:cNvPr>
-          <p:cNvCxnSpPr>
-            <a:cxnSpLocks/>
-          </p:cNvCxnSpPr>
-          <p:nvPr/>
-        </p:nvCxnSpPr>
-        <p:spPr>
-          <a:xfrm>
-            <a:off x="2266492" y="2339231"/>
-            <a:ext cx="1160780" cy="832908"/>
-          </a:xfrm>
-          <a:prstGeom prst="straightConnector1">
-            <a:avLst/>
-          </a:prstGeom>
-          <a:ln w="38100">
-            <a:tailEnd type="triangle"/>
-          </a:ln>
-        </p:spPr>
-        <p:style>
-          <a:lnRef idx="1">
-            <a:schemeClr val="accent1"/>
-          </a:lnRef>
-          <a:fillRef idx="0">
-            <a:schemeClr val="accent1"/>
-          </a:fillRef>
-          <a:effectRef idx="0">
-            <a:schemeClr val="accent1"/>
-          </a:effectRef>
-          <a:fontRef idx="minor">
-            <a:schemeClr val="tx1"/>
-          </a:fontRef>
-        </p:style>
-      </p:cxnSp>
-      <p:cxnSp>
-        <p:nvCxnSpPr>
-          <p:cNvPr id="43" name="Straight Arrow Connector 42">
-            <a:extLst>
-              <a:ext uri="{FF2B5EF4-FFF2-40B4-BE49-F238E27FC236}">
-                <a16:creationId xmlns:a16="http://schemas.microsoft.com/office/drawing/2014/main" id="{ACD75148-F16D-4A68-84FD-6AB6DEF3ADC0}"/>
-              </a:ext>
-            </a:extLst>
-          </p:cNvPr>
-          <p:cNvCxnSpPr>
-            <a:cxnSpLocks/>
-          </p:cNvCxnSpPr>
-          <p:nvPr/>
-        </p:nvCxnSpPr>
-        <p:spPr>
-          <a:xfrm flipV="1">
-            <a:off x="2310036" y="3437114"/>
-            <a:ext cx="1088196" cy="1175526"/>
-          </a:xfrm>
-          <a:prstGeom prst="straightConnector1">
-            <a:avLst/>
-          </a:prstGeom>
-          <a:ln w="38100">
-            <a:tailEnd type="triangle"/>
-          </a:ln>
-        </p:spPr>
-        <p:style>
-          <a:lnRef idx="1">
-            <a:schemeClr val="accent1"/>
-          </a:lnRef>
-          <a:fillRef idx="0">
-            <a:schemeClr val="accent1"/>
-          </a:fillRef>
-          <a:effectRef idx="0">
-            <a:schemeClr val="accent1"/>
-          </a:effectRef>
-          <a:fontRef idx="minor">
-            <a:schemeClr val="tx1"/>
-          </a:fontRef>
-        </p:style>
-      </p:cxnSp>
-      <p:cxnSp>
-        <p:nvCxnSpPr>
-          <p:cNvPr id="48" name="Straight Arrow Connector 47">
-            <a:extLst>
-              <a:ext uri="{FF2B5EF4-FFF2-40B4-BE49-F238E27FC236}">
-                <a16:creationId xmlns:a16="http://schemas.microsoft.com/office/drawing/2014/main" id="{17BD3D69-376B-46B8-9FC6-EB7331AE3A83}"/>
-              </a:ext>
-            </a:extLst>
-          </p:cNvPr>
-          <p:cNvCxnSpPr/>
-          <p:nvPr/>
-        </p:nvCxnSpPr>
-        <p:spPr>
-          <a:xfrm>
-            <a:off x="6833252" y="3321286"/>
-            <a:ext cx="1526526" cy="0"/>
-          </a:xfrm>
-          <a:prstGeom prst="straightConnector1">
-            <a:avLst/>
-          </a:prstGeom>
-          <a:ln w="38100">
-            <a:tailEnd type="triangle"/>
-          </a:ln>
-        </p:spPr>
-        <p:style>
-          <a:lnRef idx="1">
-            <a:schemeClr val="accent1"/>
-          </a:lnRef>
-          <a:fillRef idx="0">
-            <a:schemeClr val="accent1"/>
-          </a:fillRef>
-          <a:effectRef idx="0">
-            <a:schemeClr val="accent1"/>
-          </a:effectRef>
-          <a:fontRef idx="minor">
-            <a:schemeClr val="tx1"/>
-          </a:fontRef>
-        </p:style>
-      </p:cxnSp>
-    </p:spTree>
-    <p:extLst>
-      <p:ext uri="{BB962C8B-B14F-4D97-AF65-F5344CB8AC3E}">
-        <p14:creationId xmlns:p14="http://schemas.microsoft.com/office/powerpoint/2010/main" val="2388974141"/>
       </p:ext>
     </p:extLst>
   </p:cSld>

--- a/slides/C# Everywhere with Blazor.pptx
+++ b/slides/C# Everywhere with Blazor.pptx
@@ -12729,6 +12729,14 @@
 <file path=ppt/slides/slide23.xml><?xml version="1.0" encoding="utf-8"?>
 <p:sld xmlns:a="http://schemas.openxmlformats.org/drawingml/2006/main" xmlns:r="http://schemas.openxmlformats.org/officeDocument/2006/relationships" xmlns:p="http://schemas.openxmlformats.org/presentationml/2006/main">
   <p:cSld>
+    <p:bg>
+      <p:bgPr>
+        <a:solidFill>
+          <a:schemeClr val="bg1"/>
+        </a:solidFill>
+        <a:effectLst/>
+      </p:bgPr>
+    </p:bg>
     <p:spTree>
       <p:nvGrpSpPr>
         <p:cNvPr id="1" name=""/>

--- a/slides/C# Everywhere with Blazor.pptx
+++ b/slides/C# Everywhere with Blazor.pptx
@@ -1026,6 +1026,117 @@
 </file>
 
 <file path=ppt/notesSlides/notesSlide5.xml><?xml version="1.0" encoding="utf-8"?>
+<p:notes xmlns:a="http://schemas.openxmlformats.org/drawingml/2006/main" xmlns:r="http://schemas.openxmlformats.org/officeDocument/2006/relationships" xmlns:p="http://schemas.openxmlformats.org/presentationml/2006/main">
+  <p:cSld>
+    <p:spTree>
+      <p:nvGrpSpPr>
+        <p:cNvPr id="1" name=""/>
+        <p:cNvGrpSpPr/>
+        <p:nvPr/>
+      </p:nvGrpSpPr>
+      <p:grpSpPr>
+        <a:xfrm>
+          <a:off x="0" y="0"/>
+          <a:ext cx="0" cy="0"/>
+          <a:chOff x="0" y="0"/>
+          <a:chExt cx="0" cy="0"/>
+        </a:xfrm>
+      </p:grpSpPr>
+      <p:sp>
+        <p:nvSpPr>
+          <p:cNvPr id="2" name="Slide Image Placeholder 1"/>
+          <p:cNvSpPr>
+            <a:spLocks noGrp="1" noRot="1" noChangeAspect="1"/>
+          </p:cNvSpPr>
+          <p:nvPr>
+            <p:ph type="sldImg"/>
+          </p:nvPr>
+        </p:nvSpPr>
+        <p:spPr/>
+      </p:sp>
+      <p:sp>
+        <p:nvSpPr>
+          <p:cNvPr id="3" name="Notes Placeholder 2"/>
+          <p:cNvSpPr>
+            <a:spLocks noGrp="1"/>
+          </p:cNvSpPr>
+          <p:nvPr>
+            <p:ph type="body" idx="1"/>
+          </p:nvPr>
+        </p:nvSpPr>
+        <p:spPr/>
+        <p:txBody>
+          <a:bodyPr/>
+          <a:lstStyle/>
+          <a:p>
+            <a:r>
+              <a:rPr lang="en-US" dirty="0"/>
+              <a:t>C# and Razor files are </a:t>
+            </a:r>
+            <a:r>
+              <a:rPr lang="en-US" dirty="0" err="1"/>
+              <a:t>compilied</a:t>
+            </a:r>
+            <a:r>
+              <a:rPr lang="en-US" dirty="0"/>
+              <a:t> into .NET assemblies, assemblies and runtime are delivered to browser. </a:t>
+            </a:r>
+            <a:r>
+              <a:rPr lang="en-US" dirty="0" err="1"/>
+              <a:t>Blazor</a:t>
+            </a:r>
+            <a:r>
+              <a:rPr lang="en-US" dirty="0"/>
+              <a:t> bootstraps the .NET runtime, then runs the assemblies. </a:t>
+            </a:r>
+            <a:r>
+              <a:rPr lang="en-US" dirty="0" err="1"/>
+              <a:t>Blazor</a:t>
+            </a:r>
+            <a:r>
+              <a:rPr lang="en-US" dirty="0"/>
+              <a:t> maintains a virtual DOM, changes are propagated to the live DOM. Browser APIs are handled by JS interop. Older browsers fallback to asm.js.</a:t>
+            </a:r>
+          </a:p>
+        </p:txBody>
+      </p:sp>
+      <p:sp>
+        <p:nvSpPr>
+          <p:cNvPr id="4" name="Slide Number Placeholder 3"/>
+          <p:cNvSpPr>
+            <a:spLocks noGrp="1"/>
+          </p:cNvSpPr>
+          <p:nvPr>
+            <p:ph type="sldNum" sz="quarter" idx="5"/>
+          </p:nvPr>
+        </p:nvSpPr>
+        <p:spPr/>
+        <p:txBody>
+          <a:bodyPr/>
+          <a:lstStyle/>
+          <a:p>
+            <a:fld id="{B22517F8-C3EF-4C1E-AF8C-130DD02B436A}" type="slidenum">
+              <a:rPr lang="en-US" smtClean="0"/>
+              <a:t>18</a:t>
+            </a:fld>
+            <a:endParaRPr lang="en-US"/>
+          </a:p>
+        </p:txBody>
+      </p:sp>
+    </p:spTree>
+    <p:extLst>
+      <p:ext uri="{BB962C8B-B14F-4D97-AF65-F5344CB8AC3E}">
+        <p14:creationId xmlns:p14="http://schemas.microsoft.com/office/powerpoint/2010/main" val="4244802905"/>
+      </p:ext>
+    </p:extLst>
+  </p:cSld>
+  <p:clrMapOvr>
+    <a:masterClrMapping/>
+  </p:clrMapOvr>
+</p:notes>
+</file>
+
+<file path=ppt/notesSlides/notesSlide6.xml><?xml version="1.0" encoding="utf-8"?>
 <p:notes xmlns:a="http://schemas.openxmlformats.org/drawingml/2006/main" xmlns:r="http://schemas.openxmlformats.org/officeDocument/2006/relationships" xmlns:p="http://schemas.openxmlformats.org/presentationml/2006/main">
   <p:cSld>
     <p:spTree>
@@ -9116,7 +9227,7 @@
             <p:nvPr/>
           </p:nvPicPr>
           <p:blipFill>
-            <a:blip r:embed="rId2">
+            <a:blip r:embed="rId3">
               <a:extLst>
                 <a:ext uri="{28A0092B-C50C-407E-A947-70E740481C1C}">
                   <a14:useLocalDpi xmlns:a14="http://schemas.microsoft.com/office/drawing/2010/main" val="0"/>
@@ -9214,7 +9325,7 @@
             <p:nvPr/>
           </p:nvPicPr>
           <p:blipFill>
-            <a:blip r:embed="rId3">
+            <a:blip r:embed="rId4">
               <a:extLst>
                 <a:ext uri="{28A0092B-C50C-407E-A947-70E740481C1C}">
                   <a14:useLocalDpi xmlns:a14="http://schemas.microsoft.com/office/drawing/2010/main" val="0"/>
@@ -9374,13 +9485,13 @@
           <p:nvPr/>
         </p:nvPicPr>
         <p:blipFill>
-          <a:blip r:embed="rId4">
+          <a:blip r:embed="rId5">
             <a:extLst>
               <a:ext uri="{28A0092B-C50C-407E-A947-70E740481C1C}">
                 <a14:useLocalDpi xmlns:a14="http://schemas.microsoft.com/office/drawing/2010/main" val="0"/>
               </a:ext>
               <a:ext uri="{837473B0-CC2E-450A-ABE3-18F120FF3D39}">
-                <a1611:picAttrSrcUrl xmlns:a1611="http://schemas.microsoft.com/office/drawing/2016/11/main" r:id="rId5"/>
+                <a1611:picAttrSrcUrl xmlns:a1611="http://schemas.microsoft.com/office/drawing/2016/11/main" r:id="rId6"/>
               </a:ext>
             </a:extLst>
           </a:blip>
@@ -9413,13 +9524,13 @@
           <p:nvPr/>
         </p:nvPicPr>
         <p:blipFill>
-          <a:blip r:embed="rId4">
+          <a:blip r:embed="rId5">
             <a:extLst>
               <a:ext uri="{28A0092B-C50C-407E-A947-70E740481C1C}">
                 <a14:useLocalDpi xmlns:a14="http://schemas.microsoft.com/office/drawing/2010/main" val="0"/>
               </a:ext>
               <a:ext uri="{837473B0-CC2E-450A-ABE3-18F120FF3D39}">
-                <a1611:picAttrSrcUrl xmlns:a1611="http://schemas.microsoft.com/office/drawing/2016/11/main" r:id="rId5"/>
+                <a1611:picAttrSrcUrl xmlns:a1611="http://schemas.microsoft.com/office/drawing/2016/11/main" r:id="rId6"/>
               </a:ext>
             </a:extLst>
           </a:blip>
@@ -9644,7 +9755,7 @@
           <p:nvPr/>
         </p:nvPicPr>
         <p:blipFill>
-          <a:blip r:embed="rId6">
+          <a:blip r:embed="rId7">
             <a:extLst>
               <a:ext uri="{28A0092B-C50C-407E-A947-70E740481C1C}">
                 <a14:useLocalDpi xmlns:a14="http://schemas.microsoft.com/office/drawing/2010/main" val="0"/>
@@ -9680,7 +9791,7 @@
           <p:nvPr/>
         </p:nvPicPr>
         <p:blipFill>
-          <a:blip r:embed="rId7">
+          <a:blip r:embed="rId8">
             <a:extLst>
               <a:ext uri="{28A0092B-C50C-407E-A947-70E740481C1C}">
                 <a14:useLocalDpi xmlns:a14="http://schemas.microsoft.com/office/drawing/2010/main" val="0"/>
@@ -9716,7 +9827,7 @@
           <p:nvPr/>
         </p:nvPicPr>
         <p:blipFill>
-          <a:blip r:embed="rId8">
+          <a:blip r:embed="rId9">
             <a:extLst>
               <a:ext uri="{28A0092B-C50C-407E-A947-70E740481C1C}">
                 <a14:useLocalDpi xmlns:a14="http://schemas.microsoft.com/office/drawing/2010/main" val="0"/>
@@ -9752,7 +9863,7 @@
           <p:nvPr/>
         </p:nvPicPr>
         <p:blipFill>
-          <a:blip r:embed="rId9">
+          <a:blip r:embed="rId10">
             <a:extLst>
               <a:ext uri="{28A0092B-C50C-407E-A947-70E740481C1C}">
                 <a14:useLocalDpi xmlns:a14="http://schemas.microsoft.com/office/drawing/2010/main" val="0"/>

--- a/slides/C# Everywhere with Blazor.pptx
+++ b/slides/C# Everywhere with Blazor.pptx
@@ -5,7 +5,7 @@
     <p:sldMasterId id="2147483648" r:id="rId1"/>
   </p:sldMasterIdLst>
   <p:notesMasterIdLst>
-    <p:notesMasterId r:id="rId26"/>
+    <p:notesMasterId r:id="rId27"/>
   </p:notesMasterIdLst>
   <p:sldIdLst>
     <p:sldId id="256" r:id="rId2"/>
@@ -31,7 +31,8 @@
     <p:sldId id="280" r:id="rId22"/>
     <p:sldId id="273" r:id="rId23"/>
     <p:sldId id="283" r:id="rId24"/>
-    <p:sldId id="259" r:id="rId25"/>
+    <p:sldId id="292" r:id="rId25"/>
+    <p:sldId id="259" r:id="rId26"/>
   </p:sldIdLst>
   <p:sldSz cx="12192000" cy="6858000"/>
   <p:notesSz cx="6858000" cy="9144000"/>
@@ -15044,6 +15045,591 @@
 </file>
 
 <file path=ppt/slides/slide24.xml><?xml version="1.0" encoding="utf-8"?>
+<p:sld xmlns:a="http://schemas.openxmlformats.org/drawingml/2006/main" xmlns:r="http://schemas.openxmlformats.org/officeDocument/2006/relationships" xmlns:p="http://schemas.openxmlformats.org/presentationml/2006/main">
+  <p:cSld>
+    <p:spTree>
+      <p:nvGrpSpPr>
+        <p:cNvPr id="1" name=""/>
+        <p:cNvGrpSpPr/>
+        <p:nvPr/>
+      </p:nvGrpSpPr>
+      <p:grpSpPr>
+        <a:xfrm>
+          <a:off x="0" y="0"/>
+          <a:ext cx="0" cy="0"/>
+          <a:chOff x="0" y="0"/>
+          <a:chExt cx="0" cy="0"/>
+        </a:xfrm>
+      </p:grpSpPr>
+      <p:sp>
+        <p:nvSpPr>
+          <p:cNvPr id="4" name="Rectangle: Rounded Corners 3">
+            <a:extLst>
+              <a:ext uri="{FF2B5EF4-FFF2-40B4-BE49-F238E27FC236}">
+                <a16:creationId xmlns:a16="http://schemas.microsoft.com/office/drawing/2014/main" id="{F01FED70-2159-46A9-9F24-3CE8C91B8217}"/>
+              </a:ext>
+            </a:extLst>
+          </p:cNvPr>
+          <p:cNvSpPr/>
+          <p:nvPr/>
+        </p:nvSpPr>
+        <p:spPr>
+          <a:xfrm>
+            <a:off x="0" y="5957740"/>
+            <a:ext cx="12192000" cy="900260"/>
+          </a:xfrm>
+          <a:prstGeom prst="roundRect">
+            <a:avLst/>
+          </a:prstGeom>
+          <a:solidFill>
+            <a:schemeClr val="bg1">
+              <a:lumMod val="95000"/>
+            </a:schemeClr>
+          </a:solidFill>
+          <a:ln>
+            <a:noFill/>
+          </a:ln>
+        </p:spPr>
+        <p:style>
+          <a:lnRef idx="2">
+            <a:schemeClr val="accent1">
+              <a:shade val="50000"/>
+            </a:schemeClr>
+          </a:lnRef>
+          <a:fillRef idx="1">
+            <a:schemeClr val="accent1"/>
+          </a:fillRef>
+          <a:effectRef idx="0">
+            <a:schemeClr val="accent1"/>
+          </a:effectRef>
+          <a:fontRef idx="minor">
+            <a:schemeClr val="lt1"/>
+          </a:fontRef>
+        </p:style>
+        <p:txBody>
+          <a:bodyPr rtlCol="0" anchor="ctr"/>
+          <a:lstStyle/>
+          <a:p>
+            <a:pPr algn="ctr"/>
+            <a:endParaRPr lang="en-US" dirty="0"/>
+          </a:p>
+        </p:txBody>
+      </p:sp>
+      <p:sp>
+        <p:nvSpPr>
+          <p:cNvPr id="5" name="Rectangle: Rounded Corners 4">
+            <a:extLst>
+              <a:ext uri="{FF2B5EF4-FFF2-40B4-BE49-F238E27FC236}">
+                <a16:creationId xmlns:a16="http://schemas.microsoft.com/office/drawing/2014/main" id="{DC10A783-C6A4-445A-A4C3-4DDDF425222E}"/>
+              </a:ext>
+            </a:extLst>
+          </p:cNvPr>
+          <p:cNvSpPr/>
+          <p:nvPr/>
+        </p:nvSpPr>
+        <p:spPr>
+          <a:xfrm>
+            <a:off x="0" y="0"/>
+            <a:ext cx="12192000" cy="975020"/>
+          </a:xfrm>
+          <a:prstGeom prst="roundRect">
+            <a:avLst/>
+          </a:prstGeom>
+          <a:solidFill>
+            <a:schemeClr val="bg1">
+              <a:lumMod val="95000"/>
+            </a:schemeClr>
+          </a:solidFill>
+          <a:ln>
+            <a:noFill/>
+          </a:ln>
+        </p:spPr>
+        <p:style>
+          <a:lnRef idx="2">
+            <a:schemeClr val="accent1">
+              <a:shade val="50000"/>
+            </a:schemeClr>
+          </a:lnRef>
+          <a:fillRef idx="1">
+            <a:schemeClr val="accent1"/>
+          </a:fillRef>
+          <a:effectRef idx="0">
+            <a:schemeClr val="accent1"/>
+          </a:effectRef>
+          <a:fontRef idx="minor">
+            <a:schemeClr val="lt1"/>
+          </a:fontRef>
+        </p:style>
+        <p:txBody>
+          <a:bodyPr rtlCol="0" anchor="ctr"/>
+          <a:lstStyle/>
+          <a:p>
+            <a:r>
+              <a:rPr lang="en-US" sz="3200" b="1" dirty="0">
+                <a:solidFill>
+                  <a:schemeClr val="bg1">
+                    <a:lumMod val="50000"/>
+                  </a:schemeClr>
+                </a:solidFill>
+              </a:rPr>
+              <a:t>Razor Components: Welcome to the future</a:t>
+            </a:r>
+          </a:p>
+        </p:txBody>
+      </p:sp>
+      <p:pic>
+        <p:nvPicPr>
+          <p:cNvPr id="7" name="Picture 6">
+            <a:extLst>
+              <a:ext uri="{FF2B5EF4-FFF2-40B4-BE49-F238E27FC236}">
+                <a16:creationId xmlns:a16="http://schemas.microsoft.com/office/drawing/2014/main" id="{A03075E9-FC12-4B8C-B0DC-E933B40C6137}"/>
+              </a:ext>
+            </a:extLst>
+          </p:cNvPr>
+          <p:cNvPicPr>
+            <a:picLocks noChangeAspect="1"/>
+          </p:cNvPicPr>
+          <p:nvPr/>
+        </p:nvPicPr>
+        <p:blipFill>
+          <a:blip r:embed="rId2">
+            <a:extLst>
+              <a:ext uri="{28A0092B-C50C-407E-A947-70E740481C1C}">
+                <a14:useLocalDpi xmlns:a14="http://schemas.microsoft.com/office/drawing/2010/main" val="0"/>
+              </a:ext>
+            </a:extLst>
+          </a:blip>
+          <a:stretch>
+            <a:fillRect/>
+          </a:stretch>
+        </p:blipFill>
+        <p:spPr>
+          <a:xfrm>
+            <a:off x="69915" y="6127423"/>
+            <a:ext cx="599388" cy="599388"/>
+          </a:xfrm>
+          <a:prstGeom prst="rect">
+            <a:avLst/>
+          </a:prstGeom>
+        </p:spPr>
+      </p:pic>
+      <p:sp>
+        <p:nvSpPr>
+          <p:cNvPr id="8" name="TextBox 7">
+            <a:extLst>
+              <a:ext uri="{FF2B5EF4-FFF2-40B4-BE49-F238E27FC236}">
+                <a16:creationId xmlns:a16="http://schemas.microsoft.com/office/drawing/2014/main" id="{E0C27458-5F99-4A13-AD0B-39193C349C64}"/>
+              </a:ext>
+            </a:extLst>
+          </p:cNvPr>
+          <p:cNvSpPr txBox="1"/>
+          <p:nvPr/>
+        </p:nvSpPr>
+        <p:spPr>
+          <a:xfrm>
+            <a:off x="537328" y="6240095"/>
+            <a:ext cx="2017336" cy="369332"/>
+          </a:xfrm>
+          <a:prstGeom prst="rect">
+            <a:avLst/>
+          </a:prstGeom>
+          <a:noFill/>
+        </p:spPr>
+        <p:txBody>
+          <a:bodyPr wrap="square" rtlCol="0">
+            <a:spAutoFit/>
+          </a:bodyPr>
+          <a:lstStyle/>
+          <a:p>
+            <a:r>
+              <a:rPr lang="en-US" b="1" dirty="0">
+                <a:solidFill>
+                  <a:schemeClr val="bg1">
+                    <a:lumMod val="50000"/>
+                  </a:schemeClr>
+                </a:solidFill>
+              </a:rPr>
+              <a:t>@daveabrock</a:t>
+            </a:r>
+          </a:p>
+        </p:txBody>
+      </p:sp>
+      <p:pic>
+        <p:nvPicPr>
+          <p:cNvPr id="10" name="Picture 9">
+            <a:extLst>
+              <a:ext uri="{FF2B5EF4-FFF2-40B4-BE49-F238E27FC236}">
+                <a16:creationId xmlns:a16="http://schemas.microsoft.com/office/drawing/2014/main" id="{2B996A61-E9EA-49FB-8609-5098572FCCE2}"/>
+              </a:ext>
+            </a:extLst>
+          </p:cNvPr>
+          <p:cNvPicPr>
+            <a:picLocks noChangeAspect="1"/>
+          </p:cNvPicPr>
+          <p:nvPr/>
+        </p:nvPicPr>
+        <p:blipFill>
+          <a:blip r:embed="rId3">
+            <a:extLst>
+              <a:ext uri="{28A0092B-C50C-407E-A947-70E740481C1C}">
+                <a14:useLocalDpi xmlns:a14="http://schemas.microsoft.com/office/drawing/2010/main" val="0"/>
+              </a:ext>
+            </a:extLst>
+          </a:blip>
+          <a:stretch>
+            <a:fillRect/>
+          </a:stretch>
+        </p:blipFill>
+        <p:spPr>
+          <a:xfrm>
+            <a:off x="10011271" y="6174106"/>
+            <a:ext cx="490193" cy="490193"/>
+          </a:xfrm>
+          <a:prstGeom prst="rect">
+            <a:avLst/>
+          </a:prstGeom>
+        </p:spPr>
+      </p:pic>
+      <p:sp>
+        <p:nvSpPr>
+          <p:cNvPr id="11" name="TextBox 10">
+            <a:extLst>
+              <a:ext uri="{FF2B5EF4-FFF2-40B4-BE49-F238E27FC236}">
+                <a16:creationId xmlns:a16="http://schemas.microsoft.com/office/drawing/2014/main" id="{64D95163-067F-4C92-846B-F63CCEEDB806}"/>
+              </a:ext>
+            </a:extLst>
+          </p:cNvPr>
+          <p:cNvSpPr txBox="1"/>
+          <p:nvPr/>
+        </p:nvSpPr>
+        <p:spPr>
+          <a:xfrm>
+            <a:off x="10492033" y="6240095"/>
+            <a:ext cx="1781666" cy="369332"/>
+          </a:xfrm>
+          <a:prstGeom prst="rect">
+            <a:avLst/>
+          </a:prstGeom>
+          <a:noFill/>
+        </p:spPr>
+        <p:txBody>
+          <a:bodyPr wrap="square" rtlCol="0">
+            <a:spAutoFit/>
+          </a:bodyPr>
+          <a:lstStyle/>
+          <a:p>
+            <a:r>
+              <a:rPr lang="en-US" b="1" dirty="0">
+                <a:solidFill>
+                  <a:schemeClr val="bg1">
+                    <a:lumMod val="50000"/>
+                  </a:schemeClr>
+                </a:solidFill>
+              </a:rPr>
+              <a:t>daveabrock.com</a:t>
+            </a:r>
+          </a:p>
+        </p:txBody>
+      </p:sp>
+      <p:pic>
+        <p:nvPicPr>
+          <p:cNvPr id="12" name="Graphic 11">
+            <a:extLst>
+              <a:ext uri="{FF2B5EF4-FFF2-40B4-BE49-F238E27FC236}">
+                <a16:creationId xmlns:a16="http://schemas.microsoft.com/office/drawing/2014/main" id="{72E0E941-C092-4B11-800A-EAC93C0C11AE}"/>
+              </a:ext>
+            </a:extLst>
+          </p:cNvPr>
+          <p:cNvPicPr>
+            <a:picLocks noChangeAspect="1"/>
+          </p:cNvPicPr>
+          <p:nvPr/>
+        </p:nvPicPr>
+        <p:blipFill>
+          <a:blip r:embed="rId4">
+            <a:extLst>
+              <a:ext uri="{28A0092B-C50C-407E-A947-70E740481C1C}">
+                <a14:useLocalDpi xmlns:a14="http://schemas.microsoft.com/office/drawing/2010/main" val="0"/>
+              </a:ext>
+              <a:ext uri="{96DAC541-7B7A-43D3-8B79-37D633B846F1}">
+                <asvg:svgBlip xmlns:asvg="http://schemas.microsoft.com/office/drawing/2016/SVG/main" r:embed="rId5"/>
+              </a:ext>
+            </a:extLst>
+          </a:blip>
+          <a:stretch>
+            <a:fillRect/>
+          </a:stretch>
+        </p:blipFill>
+        <p:spPr>
+          <a:xfrm>
+            <a:off x="9026351" y="2172520"/>
+            <a:ext cx="2645728" cy="2645728"/>
+          </a:xfrm>
+          <a:prstGeom prst="rect">
+            <a:avLst/>
+          </a:prstGeom>
+        </p:spPr>
+      </p:pic>
+      <p:sp>
+        <p:nvSpPr>
+          <p:cNvPr id="2" name="TextBox 1">
+            <a:extLst>
+              <a:ext uri="{FF2B5EF4-FFF2-40B4-BE49-F238E27FC236}">
+                <a16:creationId xmlns:a16="http://schemas.microsoft.com/office/drawing/2014/main" id="{AAB69FD7-FBCA-445C-9FBA-FE842E7267B5}"/>
+              </a:ext>
+            </a:extLst>
+          </p:cNvPr>
+          <p:cNvSpPr txBox="1"/>
+          <p:nvPr/>
+        </p:nvSpPr>
+        <p:spPr>
+          <a:xfrm>
+            <a:off x="190005" y="1258784"/>
+            <a:ext cx="8836346" cy="4524315"/>
+          </a:xfrm>
+          <a:prstGeom prst="rect">
+            <a:avLst/>
+          </a:prstGeom>
+          <a:noFill/>
+        </p:spPr>
+        <p:txBody>
+          <a:bodyPr wrap="square" rtlCol="0">
+            <a:spAutoFit/>
+          </a:bodyPr>
+          <a:lstStyle/>
+          <a:p>
+            <a:r>
+              <a:rPr lang="en-US" sz="2400" dirty="0" err="1"/>
+              <a:t>Blazor</a:t>
+            </a:r>
+            <a:r>
+              <a:rPr lang="en-US" sz="2400" dirty="0"/>
+              <a:t> comes in three distinct project types (you will see this when you create a new project in Visual Studio)</a:t>
+            </a:r>
+          </a:p>
+          <a:p>
+            <a:endParaRPr lang="en-US" sz="2400" dirty="0"/>
+          </a:p>
+          <a:p>
+            <a:pPr marL="285750" indent="-285750">
+              <a:buFont typeface="Arial" panose="020B0604020202020204" pitchFamily="34" charset="0"/>
+              <a:buChar char="•"/>
+            </a:pPr>
+            <a:r>
+              <a:rPr lang="en-US" sz="2400" b="1" dirty="0"/>
+              <a:t>Client-Side – </a:t>
+            </a:r>
+            <a:r>
+              <a:rPr lang="en-US" sz="2400" dirty="0"/>
+              <a:t>what we discussed today. Web Assembly and client rendering. Will be experimental for awhile</a:t>
+            </a:r>
+          </a:p>
+          <a:p>
+            <a:pPr marL="285750" indent="-285750">
+              <a:buFont typeface="Arial" panose="020B0604020202020204" pitchFamily="34" charset="0"/>
+              <a:buChar char="•"/>
+            </a:pPr>
+            <a:endParaRPr lang="en-US" sz="2400" dirty="0"/>
+          </a:p>
+          <a:p>
+            <a:pPr marL="285750" indent="-285750">
+              <a:buFont typeface="Arial" panose="020B0604020202020204" pitchFamily="34" charset="0"/>
+              <a:buChar char="•"/>
+            </a:pPr>
+            <a:r>
+              <a:rPr lang="en-US" sz="2400" b="1" dirty="0"/>
+              <a:t>Full Stack - </a:t>
+            </a:r>
+            <a:r>
+              <a:rPr lang="en-US" sz="2400" dirty="0"/>
+              <a:t>.NET Core hosting, a Web API, and shared logic capabilities</a:t>
+            </a:r>
+          </a:p>
+          <a:p>
+            <a:pPr marL="285750" indent="-285750">
+              <a:buFont typeface="Arial" panose="020B0604020202020204" pitchFamily="34" charset="0"/>
+              <a:buChar char="•"/>
+            </a:pPr>
+            <a:endParaRPr lang="en-US" sz="2400" dirty="0"/>
+          </a:p>
+          <a:p>
+            <a:pPr marL="285750" indent="-285750">
+              <a:buFont typeface="Arial" panose="020B0604020202020204" pitchFamily="34" charset="0"/>
+              <a:buChar char="•"/>
+            </a:pPr>
+            <a:r>
+              <a:rPr lang="en-US" sz="2400" b="1" dirty="0"/>
+              <a:t>Server-Side (Razor Components)</a:t>
+            </a:r>
+            <a:r>
+              <a:rPr lang="en-US" sz="2400" dirty="0"/>
+              <a:t> – uses a </a:t>
+            </a:r>
+            <a:r>
+              <a:rPr lang="en-US" sz="2400" dirty="0" err="1"/>
+              <a:t>SignalR</a:t>
+            </a:r>
+            <a:r>
+              <a:rPr lang="en-US" sz="2400" dirty="0"/>
+              <a:t> client with a .NET Core backend – no </a:t>
+            </a:r>
+            <a:r>
+              <a:rPr lang="en-US" sz="2400" dirty="0" err="1"/>
+              <a:t>WebAssembly</a:t>
+            </a:r>
+            <a:r>
+              <a:rPr lang="en-US" sz="2400" dirty="0"/>
+              <a:t> needed! </a:t>
+            </a:r>
+            <a:r>
+              <a:rPr lang="en-US" sz="2400" b="1" i="1" dirty="0"/>
+              <a:t>Coming to .NET Core 3.0!</a:t>
+            </a:r>
+          </a:p>
+        </p:txBody>
+      </p:sp>
+    </p:spTree>
+    <p:extLst>
+      <p:ext uri="{BB962C8B-B14F-4D97-AF65-F5344CB8AC3E}">
+        <p14:creationId xmlns:p14="http://schemas.microsoft.com/office/powerpoint/2010/main" val="597026049"/>
+      </p:ext>
+    </p:extLst>
+  </p:cSld>
+  <p:clrMapOvr>
+    <a:masterClrMapping/>
+  </p:clrMapOvr>
+  <p:timing>
+    <p:tnLst>
+      <p:par>
+        <p:cTn id="1" dur="indefinite" restart="never" nodeType="tmRoot">
+          <p:childTnLst>
+            <p:seq concurrent="1" nextAc="seek">
+              <p:cTn id="2" dur="indefinite" nodeType="mainSeq">
+                <p:childTnLst>
+                  <p:par>
+                    <p:cTn id="3" fill="hold">
+                      <p:stCondLst>
+                        <p:cond delay="indefinite"/>
+                      </p:stCondLst>
+                      <p:childTnLst>
+                        <p:par>
+                          <p:cTn id="4" fill="hold">
+                            <p:stCondLst>
+                              <p:cond delay="0"/>
+                            </p:stCondLst>
+                            <p:childTnLst>
+                              <p:par>
+                                <p:cTn id="5" presetID="1" presetClass="entr" presetSubtype="0" fill="hold" nodeType="clickEffect">
+                                  <p:stCondLst>
+                                    <p:cond delay="0"/>
+                                  </p:stCondLst>
+                                  <p:childTnLst>
+                                    <p:set>
+                                      <p:cBhvr>
+                                        <p:cTn id="6" dur="1" fill="hold">
+                                          <p:stCondLst>
+                                            <p:cond delay="0"/>
+                                          </p:stCondLst>
+                                        </p:cTn>
+                                        <p:tgtEl>
+                                          <p:spTgt spid="2">
+                                            <p:txEl>
+                                              <p:pRg st="4" end="4"/>
+                                            </p:txEl>
+                                          </p:spTgt>
+                                        </p:tgtEl>
+                                        <p:attrNameLst>
+                                          <p:attrName>style.visibility</p:attrName>
+                                        </p:attrNameLst>
+                                      </p:cBhvr>
+                                      <p:to>
+                                        <p:strVal val="visible"/>
+                                      </p:to>
+                                    </p:set>
+                                  </p:childTnLst>
+                                </p:cTn>
+                              </p:par>
+                            </p:childTnLst>
+                          </p:cTn>
+                        </p:par>
+                      </p:childTnLst>
+                    </p:cTn>
+                  </p:par>
+                  <p:par>
+                    <p:cTn id="7" fill="hold">
+                      <p:stCondLst>
+                        <p:cond delay="indefinite"/>
+                      </p:stCondLst>
+                      <p:childTnLst>
+                        <p:par>
+                          <p:cTn id="8" fill="hold">
+                            <p:stCondLst>
+                              <p:cond delay="0"/>
+                            </p:stCondLst>
+                            <p:childTnLst>
+                              <p:par>
+                                <p:cTn id="9" presetID="1" presetClass="entr" presetSubtype="0" fill="hold" nodeType="clickEffect">
+                                  <p:stCondLst>
+                                    <p:cond delay="0"/>
+                                  </p:stCondLst>
+                                  <p:childTnLst>
+                                    <p:set>
+                                      <p:cBhvr>
+                                        <p:cTn id="10" dur="1" fill="hold">
+                                          <p:stCondLst>
+                                            <p:cond delay="0"/>
+                                          </p:stCondLst>
+                                        </p:cTn>
+                                        <p:tgtEl>
+                                          <p:spTgt spid="2">
+                                            <p:txEl>
+                                              <p:pRg st="6" end="6"/>
+                                            </p:txEl>
+                                          </p:spTgt>
+                                        </p:tgtEl>
+                                        <p:attrNameLst>
+                                          <p:attrName>style.visibility</p:attrName>
+                                        </p:attrNameLst>
+                                      </p:cBhvr>
+                                      <p:to>
+                                        <p:strVal val="visible"/>
+                                      </p:to>
+                                    </p:set>
+                                  </p:childTnLst>
+                                </p:cTn>
+                              </p:par>
+                            </p:childTnLst>
+                          </p:cTn>
+                        </p:par>
+                      </p:childTnLst>
+                    </p:cTn>
+                  </p:par>
+                </p:childTnLst>
+              </p:cTn>
+              <p:prevCondLst>
+                <p:cond evt="onPrev" delay="0">
+                  <p:tgtEl>
+                    <p:sldTgt/>
+                  </p:tgtEl>
+                </p:cond>
+              </p:prevCondLst>
+              <p:nextCondLst>
+                <p:cond evt="onNext" delay="0">
+                  <p:tgtEl>
+                    <p:sldTgt/>
+                  </p:tgtEl>
+                </p:cond>
+              </p:nextCondLst>
+            </p:seq>
+          </p:childTnLst>
+        </p:cTn>
+      </p:par>
+    </p:tnLst>
+  </p:timing>
+</p:sld>
+</file>
+
+<file path=ppt/slides/slide25.xml><?xml version="1.0" encoding="utf-8"?>
 <p:sld xmlns:a="http://schemas.openxmlformats.org/drawingml/2006/main" xmlns:r="http://schemas.openxmlformats.org/officeDocument/2006/relationships" xmlns:p="http://schemas.openxmlformats.org/presentationml/2006/main">
   <p:cSld>
     <p:spTree>
